--- a/poster/lex2018_poster_Grenzschichthöhe2_new.pptx
+++ b/poster/lex2018_poster_Grenzschichthöhe2_new.pptx
@@ -142,7 +142,7 @@
   </p:defaultTextStyle>
   <p:extLst>
     <p:ext uri="{EFAFB233-063F-42B5-8137-9DF3F51BA10A}">
-      <p15:sldGuideLst xmlns:p15="http://schemas.microsoft.com/office/powerpoint/2012/main" xmlns="">
+      <p15:sldGuideLst xmlns:p15="http://schemas.microsoft.com/office/powerpoint/2012/main">
         <p15:guide id="1" orient="horz" pos="3167">
           <p15:clr>
             <a:srgbClr val="A4A3A4"/>
@@ -295,7 +295,7 @@
               <a:pPr>
                 <a:defRPr/>
               </a:pPr>
-              <a:t>28.09.2018</a:t>
+              <a:t>01.10.18</a:t>
             </a:fld>
             <a:endParaRPr lang="de-DE"/>
           </a:p>
@@ -598,7 +598,7 @@
               <a14:shadowObscured xmlns:a14="http://schemas.microsoft.com/office/drawing/2010/main" val="1"/>
             </a:ext>
             <a:ext uri="{FAA26D3D-D897-4be2-8F04-BA451C77F1D7}">
-              <ma14:placeholderFlag xmlns="" xmlns:ma14="http://schemas.microsoft.com/office/mac/drawingml/2011/main" val="1"/>
+              <ma14:placeholderFlag xmlns:ma14="http://schemas.microsoft.com/office/mac/drawingml/2011/main" val="1"/>
             </a:ext>
           </a:extLst>
         </p:spPr>
@@ -1148,7 +1148,7 @@
           <a:noFill/>
           <a:extLst>
             <a:ext uri="{FAA26D3D-D897-4be2-8F04-BA451C77F1D7}">
-              <ma14:placeholderFlag xmlns="" xmlns:ma14="http://schemas.microsoft.com/office/mac/drawingml/2011/main" val="1"/>
+              <ma14:placeholderFlag xmlns:ma14="http://schemas.microsoft.com/office/mac/drawingml/2011/main" val="1"/>
             </a:ext>
           </a:extLst>
         </p:spPr>
@@ -1900,7 +1900,7 @@
           <p:cNvPr id="9" name="Rechteck 8">
             <a:extLst>
               <a:ext uri="{FF2B5EF4-FFF2-40B4-BE49-F238E27FC236}">
-                <a16:creationId xmlns="" xmlns:a16="http://schemas.microsoft.com/office/drawing/2014/main" id="{0BEFA488-9F8C-44C1-8036-4005CE1E4DD6}"/>
+                <a16:creationId xmlns:a16="http://schemas.microsoft.com/office/drawing/2014/main" xmlns="" id="{0BEFA488-9F8C-44C1-8036-4005CE1E4DD6}"/>
               </a:ext>
             </a:extLst>
           </p:cNvPr>
@@ -1969,7 +1969,7 @@
           <p:cNvPr id="46" name="Grafik 45">
             <a:extLst>
               <a:ext uri="{FF2B5EF4-FFF2-40B4-BE49-F238E27FC236}">
-                <a16:creationId xmlns="" xmlns:a16="http://schemas.microsoft.com/office/drawing/2014/main" id="{0F071C14-9AB0-4E21-B7E2-45094DF55A7F}"/>
+                <a16:creationId xmlns:a16="http://schemas.microsoft.com/office/drawing/2014/main" xmlns="" id="{0F071C14-9AB0-4E21-B7E2-45094DF55A7F}"/>
               </a:ext>
             </a:extLst>
           </p:cNvPr>
@@ -1992,8 +1992,8 @@
         </p:blipFill>
         <p:spPr>
           <a:xfrm>
-            <a:off x="1145997" y="27163001"/>
-            <a:ext cx="10747741" cy="4320000"/>
+            <a:off x="1312070" y="27159173"/>
+            <a:ext cx="10801200" cy="4341488"/>
           </a:xfrm>
           <a:prstGeom prst="rect">
             <a:avLst/>
@@ -2005,7 +2005,7 @@
           <p:cNvPr id="8" name="Grafik 7">
             <a:extLst>
               <a:ext uri="{FF2B5EF4-FFF2-40B4-BE49-F238E27FC236}">
-                <a16:creationId xmlns="" xmlns:a16="http://schemas.microsoft.com/office/drawing/2014/main" id="{40F347F3-75C3-4205-8EB5-49C6B8C37AB8}"/>
+                <a16:creationId xmlns:a16="http://schemas.microsoft.com/office/drawing/2014/main" xmlns="" id="{40F347F3-75C3-4205-8EB5-49C6B8C37AB8}"/>
               </a:ext>
             </a:extLst>
           </p:cNvPr>
@@ -2028,8 +2028,8 @@
         </p:blipFill>
         <p:spPr>
           <a:xfrm>
-            <a:off x="1068343" y="23058545"/>
-            <a:ext cx="10852470" cy="4320000"/>
+            <a:off x="1384078" y="23156201"/>
+            <a:ext cx="10766634" cy="4285832"/>
           </a:xfrm>
           <a:prstGeom prst="rect">
             <a:avLst/>
@@ -2041,7 +2041,7 @@
           <p:cNvPr id="42" name="Grafik 41">
             <a:extLst>
               <a:ext uri="{FF2B5EF4-FFF2-40B4-BE49-F238E27FC236}">
-                <a16:creationId xmlns="" xmlns:a16="http://schemas.microsoft.com/office/drawing/2014/main" id="{4B1DE1F6-11B0-40C1-A4B8-E15A8BDAA33B}"/>
+                <a16:creationId xmlns:a16="http://schemas.microsoft.com/office/drawing/2014/main" xmlns="" id="{4B1DE1F6-11B0-40C1-A4B8-E15A8BDAA33B}"/>
               </a:ext>
             </a:extLst>
           </p:cNvPr>
@@ -2076,7 +2076,7 @@
           <p:cNvPr id="19" name="Grafik 18">
             <a:extLst>
               <a:ext uri="{FF2B5EF4-FFF2-40B4-BE49-F238E27FC236}">
-                <a16:creationId xmlns="" xmlns:a16="http://schemas.microsoft.com/office/drawing/2014/main" id="{C64CD5DA-027A-436F-BB33-5FEDAAC0EA66}"/>
+                <a16:creationId xmlns:a16="http://schemas.microsoft.com/office/drawing/2014/main" xmlns="" id="{C64CD5DA-027A-436F-BB33-5FEDAAC0EA66}"/>
               </a:ext>
             </a:extLst>
           </p:cNvPr>
@@ -2111,7 +2111,7 @@
           <p:cNvPr id="40" name="Grafik 39">
             <a:extLst>
               <a:ext uri="{FF2B5EF4-FFF2-40B4-BE49-F238E27FC236}">
-                <a16:creationId xmlns="" xmlns:a16="http://schemas.microsoft.com/office/drawing/2014/main" id="{43F77D3F-B640-41BC-AD39-B897E1D9F05A}"/>
+                <a16:creationId xmlns:a16="http://schemas.microsoft.com/office/drawing/2014/main" xmlns="" id="{43F77D3F-B640-41BC-AD39-B897E1D9F05A}"/>
               </a:ext>
             </a:extLst>
           </p:cNvPr>
@@ -2146,7 +2146,7 @@
           <p:cNvPr id="21" name="Grafik 20">
             <a:extLst>
               <a:ext uri="{FF2B5EF4-FFF2-40B4-BE49-F238E27FC236}">
-                <a16:creationId xmlns="" xmlns:a16="http://schemas.microsoft.com/office/drawing/2014/main" id="{976740B1-6D9C-4E1B-B8B3-A8B6E0F15E07}"/>
+                <a16:creationId xmlns:a16="http://schemas.microsoft.com/office/drawing/2014/main" xmlns="" id="{976740B1-6D9C-4E1B-B8B3-A8B6E0F15E07}"/>
               </a:ext>
             </a:extLst>
           </p:cNvPr>
@@ -2181,7 +2181,7 @@
           <p:cNvPr id="36" name="Grafik 35">
             <a:extLst>
               <a:ext uri="{FF2B5EF4-FFF2-40B4-BE49-F238E27FC236}">
-                <a16:creationId xmlns="" xmlns:a16="http://schemas.microsoft.com/office/drawing/2014/main" id="{A9D74C3F-3BE3-439D-AB17-890949333853}"/>
+                <a16:creationId xmlns:a16="http://schemas.microsoft.com/office/drawing/2014/main" xmlns="" id="{A9D74C3F-3BE3-439D-AB17-890949333853}"/>
               </a:ext>
             </a:extLst>
           </p:cNvPr>
@@ -3256,7 +3256,7 @@
           <p:cNvPr id="34" name="Bild 20">
             <a:extLst>
               <a:ext uri="{FF2B5EF4-FFF2-40B4-BE49-F238E27FC236}">
-                <a16:creationId xmlns="" xmlns:a16="http://schemas.microsoft.com/office/drawing/2014/main" id="{30C35D4B-54C9-4EFD-B637-C2B14B31D25E}"/>
+                <a16:creationId xmlns:a16="http://schemas.microsoft.com/office/drawing/2014/main" xmlns="" id="{30C35D4B-54C9-4EFD-B637-C2B14B31D25E}"/>
               </a:ext>
             </a:extLst>
           </p:cNvPr>
@@ -3286,7 +3286,7 @@
           <p:cNvPr id="35" name="Grafik 34">
             <a:extLst>
               <a:ext uri="{FF2B5EF4-FFF2-40B4-BE49-F238E27FC236}">
-                <a16:creationId xmlns="" xmlns:a16="http://schemas.microsoft.com/office/drawing/2014/main" id="{89186F4D-0C4C-4734-9D8C-2470FAFB8AE6}"/>
+                <a16:creationId xmlns:a16="http://schemas.microsoft.com/office/drawing/2014/main" xmlns="" id="{89186F4D-0C4C-4734-9D8C-2470FAFB8AE6}"/>
               </a:ext>
             </a:extLst>
           </p:cNvPr>
@@ -3371,7 +3371,7 @@
           <p:cNvPr id="6" name="Rechteck 5">
             <a:extLst>
               <a:ext uri="{FF2B5EF4-FFF2-40B4-BE49-F238E27FC236}">
-                <a16:creationId xmlns="" xmlns:a16="http://schemas.microsoft.com/office/drawing/2014/main" id="{2ECF76C5-1888-4029-9DF0-1BEAD530C454}"/>
+                <a16:creationId xmlns:a16="http://schemas.microsoft.com/office/drawing/2014/main" xmlns="" id="{2ECF76C5-1888-4029-9DF0-1BEAD530C454}"/>
               </a:ext>
             </a:extLst>
           </p:cNvPr>
@@ -3380,8 +3380,8 @@
         </p:nvSpPr>
         <p:spPr>
           <a:xfrm>
-            <a:off x="1384078" y="7261012"/>
-            <a:ext cx="16129792" cy="5370701"/>
+            <a:off x="1384078" y="7072289"/>
+            <a:ext cx="16129792" cy="5740033"/>
           </a:xfrm>
           <a:prstGeom prst="rect">
             <a:avLst/>
@@ -3394,7 +3394,7 @@
           <a:lstStyle/>
           <a:p>
             <a:r>
-              <a:rPr lang="de-DE" sz="4000" b="1" dirty="0">
+              <a:rPr lang="de-DE" sz="5400" b="1" dirty="0">
                 <a:solidFill>
                   <a:srgbClr val="CB1028"/>
                 </a:solidFill>
@@ -3402,6 +3402,12 @@
               </a:rPr>
               <a:t>Motivation</a:t>
             </a:r>
+            <a:endParaRPr lang="de-DE" sz="4400" b="1" dirty="0">
+              <a:solidFill>
+                <a:srgbClr val="CB1028"/>
+              </a:solidFill>
+              <a:ea typeface="ＭＳ Ｐゴシック" pitchFamily="124" charset="-128"/>
+            </a:endParaRPr>
           </a:p>
           <a:p>
             <a:pPr algn="just">
@@ -3419,13 +3425,31 @@
               <a:t>Die vertikale Ausdehnung der atmosphärischen Grenzschicht spielt für viele </a:t>
             </a:r>
             <a:r>
+              <a:rPr lang="de-DE" sz="3200" i="1" dirty="0" err="1" smtClean="0">
+                <a:solidFill>
+                  <a:schemeClr val="tx1"/>
+                </a:solidFill>
+                <a:ea typeface="ＭＳ Ｐゴシック" pitchFamily="124" charset="-128"/>
+              </a:rPr>
+              <a:t>Anwendun</a:t>
+            </a:r>
+            <a:r>
+              <a:rPr lang="de-DE" sz="3200" i="1" dirty="0">
+                <a:solidFill>
+                  <a:schemeClr val="tx1"/>
+                </a:solidFill>
+                <a:ea typeface="ＭＳ Ｐゴシック" pitchFamily="124" charset="-128"/>
+              </a:rPr>
+              <a:t>-</a:t>
+            </a:r>
+            <a:r>
               <a:rPr lang="de-DE" sz="3200" i="1" dirty="0" smtClean="0">
                 <a:solidFill>
                   <a:schemeClr val="tx1"/>
                 </a:solidFill>
                 <a:ea typeface="ＭＳ Ｐゴシック" pitchFamily="124" charset="-128"/>
               </a:rPr>
-              <a:t>Anwendungen, </a:t>
+              <a:t>gen (z.B. numerische Wettervorhersage, Berechnung </a:t>
             </a:r>
             <a:r>
               <a:rPr lang="de-DE" sz="3200" i="1" dirty="0">
@@ -3434,7 +3458,7 @@
                 </a:solidFill>
                 <a:ea typeface="ＭＳ Ｐゴシック" pitchFamily="124" charset="-128"/>
               </a:rPr>
-              <a:t>wie </a:t>
+              <a:t>der </a:t>
             </a:r>
             <a:r>
               <a:rPr lang="de-DE" sz="3200" i="1" dirty="0" smtClean="0">
@@ -3443,7 +3467,7 @@
                 </a:solidFill>
                 <a:ea typeface="ＭＳ Ｐゴシック" pitchFamily="124" charset="-128"/>
               </a:rPr>
-              <a:t>beispielsweise </a:t>
+              <a:t>Ausbreitung </a:t>
             </a:r>
             <a:r>
               <a:rPr lang="de-DE" sz="3200" i="1" dirty="0">
@@ -3452,7 +3476,16 @@
                 </a:solidFill>
                 <a:ea typeface="ＭＳ Ｐゴシック" pitchFamily="124" charset="-128"/>
               </a:rPr>
-              <a:t>der numerischen Wettervorhersage </a:t>
+              <a:t>von </a:t>
+            </a:r>
+            <a:r>
+              <a:rPr lang="de-DE" sz="3200" i="1" dirty="0" err="1" smtClean="0">
+                <a:solidFill>
+                  <a:schemeClr val="tx1"/>
+                </a:solidFill>
+                <a:ea typeface="ＭＳ Ｐゴシック" pitchFamily="124" charset="-128"/>
+              </a:rPr>
+              <a:t>Luftschad</a:t>
             </a:r>
             <a:r>
               <a:rPr lang="de-DE" sz="3200" i="1" dirty="0" smtClean="0">
@@ -3461,7 +3494,7 @@
                 </a:solidFill>
                 <a:ea typeface="ＭＳ Ｐゴシック" pitchFamily="124" charset="-128"/>
               </a:rPr>
-              <a:t>oder </a:t>
+              <a:t>-stoffen) </a:t>
             </a:r>
             <a:r>
               <a:rPr lang="de-DE" sz="3200" i="1" dirty="0">
@@ -3470,7 +3503,16 @@
                 </a:solidFill>
                 <a:ea typeface="ＭＳ Ｐゴシック" pitchFamily="124" charset="-128"/>
               </a:rPr>
-              <a:t>der Berechnung der Ausbreitung von </a:t>
+              <a:t>eine wichtige Rolle. Die ALPACAs am </a:t>
+            </a:r>
+            <a:r>
+              <a:rPr lang="de-DE" sz="3200" i="1" dirty="0" smtClean="0">
+                <a:solidFill>
+                  <a:schemeClr val="tx1"/>
+                </a:solidFill>
+                <a:ea typeface="ＭＳ Ｐゴシック" pitchFamily="124" charset="-128"/>
+              </a:rPr>
+              <a:t>Helikite bieten </a:t>
             </a:r>
             <a:r>
               <a:rPr lang="de-DE" sz="3200" i="1" dirty="0">
@@ -3479,7 +3521,25 @@
                 </a:solidFill>
                 <a:ea typeface="ＭＳ Ｐゴシック" pitchFamily="124" charset="-128"/>
               </a:rPr>
-              <a:t>Luftschadstoffen eine wichtige Rolle. </a:t>
+              <a:t>die Möglichkeit </a:t>
+            </a:r>
+            <a:r>
+              <a:rPr lang="de-DE" sz="3200" i="1" dirty="0" smtClean="0">
+                <a:solidFill>
+                  <a:schemeClr val="tx1"/>
+                </a:solidFill>
+                <a:ea typeface="ＭＳ Ｐゴシック" pitchFamily="124" charset="-128"/>
+              </a:rPr>
+              <a:t>Temper-</a:t>
+            </a:r>
+            <a:r>
+              <a:rPr lang="de-DE" sz="3200" i="1" dirty="0" err="1" smtClean="0">
+                <a:solidFill>
+                  <a:schemeClr val="tx1"/>
+                </a:solidFill>
+                <a:ea typeface="ＭＳ Ｐゴシック" pitchFamily="124" charset="-128"/>
+              </a:rPr>
+              <a:t>atur</a:t>
             </a:r>
             <a:r>
               <a:rPr lang="de-DE" sz="3200" i="1" dirty="0">
@@ -3488,7 +3548,16 @@
                 </a:solidFill>
                 <a:ea typeface="ＭＳ Ｐゴシック" pitchFamily="124" charset="-128"/>
               </a:rPr>
-              <a:t>Die ALPACAs am </a:t>
+              <a:t>, relative Feuchte und Druck in den untersten 500m der Atmosphäre mit hoher </a:t>
+            </a:r>
+            <a:r>
+              <a:rPr lang="de-DE" sz="3200" i="1" dirty="0" smtClean="0">
+                <a:solidFill>
+                  <a:schemeClr val="tx1"/>
+                </a:solidFill>
+                <a:ea typeface="ＭＳ Ｐゴシック" pitchFamily="124" charset="-128"/>
+              </a:rPr>
+              <a:t>zeit-</a:t>
             </a:r>
             <a:r>
               <a:rPr lang="de-DE" sz="3200" i="1" dirty="0" err="1" smtClean="0">
@@ -3497,7 +3566,7 @@
                 </a:solidFill>
                 <a:ea typeface="ＭＳ Ｐゴシック" pitchFamily="124" charset="-128"/>
               </a:rPr>
-              <a:t>Helikite</a:t>
+              <a:t>licher</a:t>
             </a:r>
             <a:r>
               <a:rPr lang="de-DE" sz="3200" i="1" dirty="0" smtClean="0">
@@ -3506,7 +3575,7 @@
                 </a:solidFill>
                 <a:ea typeface="ＭＳ Ｐゴシック" pitchFamily="124" charset="-128"/>
               </a:rPr>
-              <a:t> bieten </a:t>
+              <a:t> </a:t>
             </a:r>
             <a:r>
               <a:rPr lang="de-DE" sz="3200" i="1" dirty="0">
@@ -3515,14 +3584,16 @@
                 </a:solidFill>
                 <a:ea typeface="ＭＳ Ｐゴシック" pitchFamily="124" charset="-128"/>
               </a:rPr>
-              <a:t>die Möglichkeit Temperatur, relative Feuchte und Druck in den untersten 500m der Atmosphäre mit hoher zeitlicher Auflösung zu messen. Folgende Fragen sollen anhand eines Beispiels geklärt werden: </a:t>
+              <a:t>Auflösung zu messen. Folgende Fragen sollen anhand eines Beispiels geklärt werden: </a:t>
             </a:r>
           </a:p>
           <a:p>
-            <a:pPr algn="just">
+            <a:pPr marL="457200" indent="-457200" algn="just">
               <a:spcBef>
                 <a:spcPts val="1200"/>
               </a:spcBef>
+              <a:buFont typeface="Arial" charset="0"/>
+              <a:buChar char="•"/>
             </a:pPr>
             <a:r>
               <a:rPr lang="de-DE" sz="3200" b="1" i="1" dirty="0">
@@ -3531,10 +3602,61 @@
                 </a:solidFill>
                 <a:ea typeface="ＭＳ Ｐゴシック" pitchFamily="124" charset="-128"/>
               </a:rPr>
-              <a:t>Wie lassen sich die Daten der ALPACAs nutzen, um daraus die Höhe der Grenzschicht zu bestimmen? Stimmen die Ergebnisse mit den Messungen des </a:t>
-            </a:r>
-            <a:r>
-              <a:rPr lang="de-DE" sz="3200" b="1" i="1" dirty="0" err="1">
+              <a:t>Wie lassen sich die Daten der ALPACAs nutzen, um daraus die Höhe der </a:t>
+            </a:r>
+            <a:r>
+              <a:rPr lang="de-DE" sz="3200" b="1" i="1" dirty="0" smtClean="0">
+                <a:solidFill>
+                  <a:schemeClr val="tx1"/>
+                </a:solidFill>
+                <a:ea typeface="ＭＳ Ｐゴシック" pitchFamily="124" charset="-128"/>
+              </a:rPr>
+              <a:t>Grenz-schicht </a:t>
+            </a:r>
+            <a:r>
+              <a:rPr lang="de-DE" sz="3200" b="1" i="1" dirty="0">
+                <a:solidFill>
+                  <a:schemeClr val="tx1"/>
+                </a:solidFill>
+                <a:ea typeface="ＭＳ Ｐゴシック" pitchFamily="124" charset="-128"/>
+              </a:rPr>
+              <a:t>zu bestimmen? </a:t>
+            </a:r>
+            <a:endParaRPr lang="de-DE" sz="3200" b="1" i="1" dirty="0" smtClean="0">
+              <a:solidFill>
+                <a:schemeClr val="tx1"/>
+              </a:solidFill>
+              <a:ea typeface="ＭＳ Ｐゴシック" pitchFamily="124" charset="-128"/>
+            </a:endParaRPr>
+          </a:p>
+          <a:p>
+            <a:pPr marL="457200" indent="-457200" algn="just">
+              <a:spcBef>
+                <a:spcPts val="1200"/>
+              </a:spcBef>
+              <a:buFont typeface="Arial" charset="0"/>
+              <a:buChar char="•"/>
+            </a:pPr>
+            <a:r>
+              <a:rPr lang="de-DE" sz="3200" b="1" i="1" dirty="0" smtClean="0">
+                <a:solidFill>
+                  <a:schemeClr val="tx1"/>
+                </a:solidFill>
+                <a:ea typeface="ＭＳ Ｐゴシック" pitchFamily="124" charset="-128"/>
+              </a:rPr>
+              <a:t>Stimmen </a:t>
+            </a:r>
+            <a:r>
+              <a:rPr lang="de-DE" sz="3200" b="1" i="1" dirty="0">
+                <a:solidFill>
+                  <a:schemeClr val="tx1"/>
+                </a:solidFill>
+                <a:ea typeface="ＭＳ Ｐゴシック" pitchFamily="124" charset="-128"/>
+              </a:rPr>
+              <a:t>die Ergebnisse mit den Messungen des </a:t>
+            </a:r>
+            <a:r>
+              <a:rPr lang="de-DE" sz="3200" b="1" i="1" dirty="0" err="1" smtClean="0">
                 <a:solidFill>
                   <a:schemeClr val="tx1"/>
                 </a:solidFill>
@@ -3543,25 +3665,34 @@
               <a:t>Ceilometers</a:t>
             </a:r>
             <a:r>
+              <a:rPr lang="de-DE" sz="3200" b="1" i="1" dirty="0" smtClean="0">
+                <a:solidFill>
+                  <a:schemeClr val="tx1"/>
+                </a:solidFill>
+                <a:ea typeface="ＭＳ Ｐゴシック" pitchFamily="124" charset="-128"/>
+              </a:rPr>
+              <a:t> </a:t>
+            </a:r>
+            <a:r>
               <a:rPr lang="de-DE" sz="3200" b="1" i="1" dirty="0">
                 <a:solidFill>
                   <a:schemeClr val="tx1"/>
                 </a:solidFill>
                 <a:ea typeface="ＭＳ Ｐゴシック" pitchFamily="124" charset="-128"/>
               </a:rPr>
-              <a:t> überein? </a:t>
+              <a:t>überein? </a:t>
             </a:r>
           </a:p>
         </p:txBody>
       </p:sp>
-      <mc:AlternateContent xmlns:mc="http://schemas.openxmlformats.org/markup-compatibility/2006" xmlns:a14="http://schemas.microsoft.com/office/drawing/2010/main">
-        <mc:Choice Requires="a14">
+      <mc:AlternateContent xmlns:mc="http://schemas.openxmlformats.org/markup-compatibility/2006">
+        <mc:Choice xmlns:a14="http://schemas.microsoft.com/office/drawing/2010/main" Requires="a14">
           <p:sp>
             <p:nvSpPr>
               <p:cNvPr id="30" name="Rechteck 29">
                 <a:extLst>
                   <a:ext uri="{FF2B5EF4-FFF2-40B4-BE49-F238E27FC236}">
-                    <a16:creationId xmlns="" xmlns:a16="http://schemas.microsoft.com/office/drawing/2014/main" id="{00F2F1BC-0D66-45C0-8E9C-5464DBC9DD37}"/>
+                    <a16:creationId xmlns:a16="http://schemas.microsoft.com/office/drawing/2014/main" xmlns="" id="{00F2F1BC-0D66-45C0-8E9C-5464DBC9DD37}"/>
                   </a:ext>
                 </a:extLst>
               </p:cNvPr>
@@ -3571,7 +3702,7 @@
             <p:spPr>
               <a:xfrm>
                 <a:off x="1384078" y="13264977"/>
-                <a:ext cx="16129792" cy="11203067"/>
+                <a:ext cx="16129792" cy="11249233"/>
               </a:xfrm>
               <a:prstGeom prst="rect">
                 <a:avLst/>
@@ -3584,7 +3715,7 @@
               <a:lstStyle/>
               <a:p>
                 <a:r>
-                  <a:rPr lang="de-DE" sz="4000" b="1" dirty="0">
+                  <a:rPr lang="de-DE" sz="5400" b="1" dirty="0">
                     <a:solidFill>
                       <a:srgbClr val="CB1028"/>
                     </a:solidFill>
@@ -3592,6 +3723,12 @@
                   </a:rPr>
                   <a:t>Methode</a:t>
                 </a:r>
+                <a:endParaRPr lang="de-DE" sz="4400" b="1" dirty="0">
+                  <a:solidFill>
+                    <a:srgbClr val="CB1028"/>
+                  </a:solidFill>
+                  <a:ea typeface="ＭＳ Ｐゴシック" pitchFamily="124" charset="-128"/>
+                </a:endParaRPr>
               </a:p>
               <a:p>
                 <a:pPr algn="just">
@@ -3606,7 +3743,70 @@
                     </a:solidFill>
                     <a:ea typeface="ＭＳ Ｐゴシック" pitchFamily="124" charset="-128"/>
                   </a:rPr>
-                  <a:t>Zur Bestimmung der Grenzschichthöhe wurden die Vertikalprofile von vier verschiedenen Größen verwendet (Abbildung 1), die sich aus den Messungen der ALPACAs ableiten lassen:</a:t>
+                  <a:t>Zur Bestimmung der Grenzschichthöhe wurden die Vertikalprofile von vier </a:t>
+                </a:r>
+                <a:r>
+                  <a:rPr lang="de-DE" sz="3200" dirty="0" smtClean="0">
+                    <a:solidFill>
+                      <a:schemeClr val="tx1"/>
+                    </a:solidFill>
+                    <a:ea typeface="ＭＳ Ｐゴシック" pitchFamily="124" charset="-128"/>
+                  </a:rPr>
+                  <a:t>verschiede-</a:t>
+                </a:r>
+                <a:r>
+                  <a:rPr lang="de-DE" sz="3200" dirty="0" err="1" smtClean="0">
+                    <a:solidFill>
+                      <a:schemeClr val="tx1"/>
+                    </a:solidFill>
+                    <a:ea typeface="ＭＳ Ｐゴシック" pitchFamily="124" charset="-128"/>
+                  </a:rPr>
+                  <a:t>nen</a:t>
+                </a:r>
+                <a:r>
+                  <a:rPr lang="de-DE" sz="3200" dirty="0" smtClean="0">
+                    <a:solidFill>
+                      <a:schemeClr val="tx1"/>
+                    </a:solidFill>
+                    <a:ea typeface="ＭＳ Ｐゴシック" pitchFamily="124" charset="-128"/>
+                  </a:rPr>
+                  <a:t> </a:t>
+                </a:r>
+                <a:r>
+                  <a:rPr lang="de-DE" sz="3200" dirty="0">
+                    <a:solidFill>
+                      <a:schemeClr val="tx1"/>
+                    </a:solidFill>
+                    <a:ea typeface="ＭＳ Ｐゴシック" pitchFamily="124" charset="-128"/>
+                  </a:rPr>
+                  <a:t>Größen verwendet (Abbildung 1), die sich aus den Messungen der ALPACAs </a:t>
+                </a:r>
+                <a:r>
+                  <a:rPr lang="de-DE" sz="3200" dirty="0" err="1" smtClean="0">
+                    <a:solidFill>
+                      <a:schemeClr val="tx1"/>
+                    </a:solidFill>
+                    <a:ea typeface="ＭＳ Ｐゴシック" pitchFamily="124" charset="-128"/>
+                  </a:rPr>
+                  <a:t>ablei-ten</a:t>
+                </a:r>
+                <a:r>
+                  <a:rPr lang="de-DE" sz="3200" dirty="0" smtClean="0">
+                    <a:solidFill>
+                      <a:schemeClr val="tx1"/>
+                    </a:solidFill>
+                    <a:ea typeface="ＭＳ Ｐゴシック" pitchFamily="124" charset="-128"/>
+                  </a:rPr>
+                  <a:t> </a:t>
+                </a:r>
+                <a:r>
+                  <a:rPr lang="de-DE" sz="3200" dirty="0">
+                    <a:solidFill>
+                      <a:schemeClr val="tx1"/>
+                    </a:solidFill>
+                    <a:ea typeface="ＭＳ Ｐゴシック" pitchFamily="124" charset="-128"/>
+                  </a:rPr>
+                  <a:t>lassen:</a:t>
                 </a:r>
               </a:p>
               <a:p>
@@ -3764,7 +3964,34 @@
                     </a:solidFill>
                     <a:ea typeface="ＭＳ Ｐゴシック" pitchFamily="124" charset="-128"/>
                   </a:rPr>
-                  <a:t>“ ändern sich diese Größen mit zunehmender Höhe meist abrupt. Um die Grenzschichthöhe </a:t>
+                  <a:t>“ </a:t>
+                </a:r>
+                <a:r>
+                  <a:rPr lang="de-DE" sz="3200" dirty="0" err="1" smtClean="0">
+                    <a:solidFill>
+                      <a:schemeClr val="tx1"/>
+                    </a:solidFill>
+                    <a:ea typeface="ＭＳ Ｐゴシック" pitchFamily="124" charset="-128"/>
+                  </a:rPr>
+                  <a:t>än-dern</a:t>
+                </a:r>
+                <a:r>
+                  <a:rPr lang="de-DE" sz="3200" dirty="0" smtClean="0">
+                    <a:solidFill>
+                      <a:schemeClr val="tx1"/>
+                    </a:solidFill>
+                    <a:ea typeface="ＭＳ Ｐゴシック" pitchFamily="124" charset="-128"/>
+                  </a:rPr>
+                  <a:t> </a:t>
+                </a:r>
+                <a:r>
+                  <a:rPr lang="de-DE" sz="3200" dirty="0">
+                    <a:solidFill>
+                      <a:schemeClr val="tx1"/>
+                    </a:solidFill>
+                    <a:ea typeface="ＭＳ Ｐゴシック" pitchFamily="124" charset="-128"/>
+                  </a:rPr>
+                  <a:t>sich diese Größen mit zunehmender Höhe meist abrupt. Um die Grenzschichthöhe </a:t>
                 </a:r>
                 <a14:m>
                   <m:oMath xmlns:m="http://schemas.openxmlformats.org/officeDocument/2006/math">
@@ -3772,7 +3999,7 @@
                       <m:sSubPr>
                         <m:ctrlPr>
                           <a:rPr lang="de-DE" sz="3200" i="1">
-                            <a:latin typeface="Cambria Math"/>
+                            <a:latin typeface="Cambria Math" charset="0"/>
                           </a:rPr>
                         </m:ctrlPr>
                       </m:sSubPr>
@@ -3802,13 +4029,49 @@
                   </m:oMath>
                 </a14:m>
                 <a:r>
+                  <a:rPr lang="de-DE" sz="3200" dirty="0" smtClean="0">
+                    <a:solidFill>
+                      <a:schemeClr val="tx1"/>
+                    </a:solidFill>
+                    <a:ea typeface="ＭＳ Ｐゴシック" pitchFamily="124" charset="-128"/>
+                  </a:rPr>
+                  <a:t>abzuschätzen </a:t>
+                </a:r>
+                <a:r>
                   <a:rPr lang="de-DE" sz="3200" dirty="0">
                     <a:solidFill>
                       <a:schemeClr val="tx1"/>
                     </a:solidFill>
                     <a:ea typeface="ＭＳ Ｐゴシック" pitchFamily="124" charset="-128"/>
                   </a:rPr>
-                  <a:t>abzuschätzen wird deshalb die Höhe ermittelt, in der der Betrag des Vertikalgradienten der jeweiligen Größe </a:t>
+                  <a:t>wird deshalb die Höhe ermittelt, in der der Betrag des </a:t>
+                </a:r>
+                <a:r>
+                  <a:rPr lang="de-DE" sz="3200" dirty="0" err="1" smtClean="0">
+                    <a:solidFill>
+                      <a:schemeClr val="tx1"/>
+                    </a:solidFill>
+                    <a:ea typeface="ＭＳ Ｐゴシック" pitchFamily="124" charset="-128"/>
+                  </a:rPr>
+                  <a:t>Vertikalgradien-ten</a:t>
+                </a:r>
+                <a:r>
+                  <a:rPr lang="de-DE" sz="3200" dirty="0" smtClean="0">
+                    <a:solidFill>
+                      <a:schemeClr val="tx1"/>
+                    </a:solidFill>
+                    <a:ea typeface="ＭＳ Ｐゴシック" pitchFamily="124" charset="-128"/>
+                  </a:rPr>
+                  <a:t> </a:t>
+                </a:r>
+                <a:r>
+                  <a:rPr lang="de-DE" sz="3200" dirty="0">
+                    <a:solidFill>
+                      <a:schemeClr val="tx1"/>
+                    </a:solidFill>
+                    <a:ea typeface="ＭＳ Ｐゴシック" pitchFamily="124" charset="-128"/>
+                  </a:rPr>
+                  <a:t>der jeweiligen Größe </a:t>
                 </a:r>
                 <a14:m>
                   <m:oMath xmlns:m="http://schemas.openxmlformats.org/officeDocument/2006/math">
@@ -3846,7 +4109,7 @@
                         <m:sSubPr>
                           <m:ctrlPr>
                             <a:rPr lang="de-DE" sz="3200" b="1" i="1">
-                              <a:latin typeface="Cambria Math"/>
+                              <a:latin typeface="Cambria Math" charset="0"/>
                             </a:rPr>
                           </m:ctrlPr>
                         </m:sSubPr>
@@ -3901,7 +4164,7 @@
                         <m:sSubPr>
                           <m:ctrlPr>
                             <a:rPr lang="de-DE" sz="3200" b="1" i="1">
-                              <a:latin typeface="Cambria Math"/>
+                              <a:latin typeface="Cambria Math" charset="0"/>
                             </a:rPr>
                           </m:ctrlPr>
                         </m:sSubPr>
@@ -3967,7 +4230,25 @@
                     </a:solidFill>
                     <a:ea typeface="ＭＳ Ｐゴシック" pitchFamily="124" charset="-128"/>
                   </a:rPr>
-                  <a:t>Abbildung 2 zeigt die mit der beschriebenen Methode bestimmten Grenzschichthöhen, sowie die des </a:t>
+                  <a:t>Abbildung 2 zeigt die mit der beschriebenen Methode bestimmten Grenzschichthöhen, </a:t>
+                </a:r>
+                <a:r>
+                  <a:rPr lang="de-DE" sz="3200" dirty="0" smtClean="0">
+                    <a:solidFill>
+                      <a:schemeClr val="tx1"/>
+                    </a:solidFill>
+                    <a:ea typeface="ＭＳ Ｐゴシック" pitchFamily="124" charset="-128"/>
+                  </a:rPr>
+                  <a:t>sowie </a:t>
+                </a:r>
+                <a:r>
+                  <a:rPr lang="de-DE" sz="3200" dirty="0">
+                    <a:solidFill>
+                      <a:schemeClr val="tx1"/>
+                    </a:solidFill>
+                    <a:ea typeface="ＭＳ Ｐゴシック" pitchFamily="124" charset="-128"/>
+                  </a:rPr>
+                  <a:t>die des </a:t>
                 </a:r>
                 <a:r>
                   <a:rPr lang="de-DE" sz="3200" dirty="0" err="1">
@@ -4003,8 +4284,95 @@
                     </a:solidFill>
                     <a:ea typeface="ＭＳ Ｐゴシック" pitchFamily="124" charset="-128"/>
                   </a:rPr>
-                  <a:t>. Tag 1 entspricht dem in Abbildung 1 gezeigten Tag. An beiden Messtagen befand Fehmarn sich unter Hochdruckeinfluss und es herrschte auflandiger Wind, sodass eine flache, maritime Grenzschicht zu erwarten ist.</a:t>
+                  <a:t>. Tag 1 entspricht dem in </a:t>
                 </a:r>
+                <a:r>
+                  <a:rPr lang="de-DE" sz="3200" dirty="0" smtClean="0">
+                    <a:solidFill>
+                      <a:schemeClr val="tx1"/>
+                    </a:solidFill>
+                    <a:ea typeface="ＭＳ Ｐゴシック" pitchFamily="124" charset="-128"/>
+                  </a:rPr>
+                  <a:t>Ab-bildung </a:t>
+                </a:r>
+                <a:r>
+                  <a:rPr lang="de-DE" sz="3200" dirty="0">
+                    <a:solidFill>
+                      <a:schemeClr val="tx1"/>
+                    </a:solidFill>
+                    <a:ea typeface="ＭＳ Ｐゴシック" pitchFamily="124" charset="-128"/>
+                  </a:rPr>
+                  <a:t>1 gezeigten Tag. An beiden Messtagen befand </a:t>
+                </a:r>
+                <a:r>
+                  <a:rPr lang="de-DE" sz="3200" dirty="0" smtClean="0">
+                    <a:solidFill>
+                      <a:schemeClr val="tx1"/>
+                    </a:solidFill>
+                    <a:ea typeface="ＭＳ Ｐゴシック" pitchFamily="124" charset="-128"/>
+                  </a:rPr>
+                  <a:t>sich Fehmarn unter Hochdruck-einfluss </a:t>
+                </a:r>
+                <a:r>
+                  <a:rPr lang="de-DE" sz="3200" dirty="0">
+                    <a:solidFill>
+                      <a:schemeClr val="tx1"/>
+                    </a:solidFill>
+                    <a:ea typeface="ＭＳ Ｐゴシック" pitchFamily="124" charset="-128"/>
+                  </a:rPr>
+                  <a:t>und </a:t>
+                </a:r>
+                <a:r>
+                  <a:rPr lang="de-DE" sz="3200" dirty="0" smtClean="0">
+                    <a:solidFill>
+                      <a:schemeClr val="tx1"/>
+                    </a:solidFill>
+                    <a:ea typeface="ＭＳ Ｐゴシック" pitchFamily="124" charset="-128"/>
+                  </a:rPr>
+                  <a:t>am </a:t>
+                </a:r>
+                <a:r>
+                  <a:rPr lang="de-DE" sz="3200" dirty="0" err="1" smtClean="0">
+                    <a:solidFill>
+                      <a:schemeClr val="tx1"/>
+                    </a:solidFill>
+                    <a:ea typeface="ＭＳ Ｐゴシック" pitchFamily="124" charset="-128"/>
+                  </a:rPr>
+                  <a:t>Messort</a:t>
+                </a:r>
+                <a:r>
+                  <a:rPr lang="de-DE" sz="3200" dirty="0" smtClean="0">
+                    <a:solidFill>
+                      <a:schemeClr val="tx1"/>
+                    </a:solidFill>
+                    <a:ea typeface="ＭＳ Ｐゴシック" pitchFamily="124" charset="-128"/>
+                  </a:rPr>
+                  <a:t> herrschte </a:t>
+                </a:r>
+                <a:r>
+                  <a:rPr lang="de-DE" sz="3200" dirty="0">
+                    <a:solidFill>
+                      <a:schemeClr val="tx1"/>
+                    </a:solidFill>
+                    <a:ea typeface="ＭＳ Ｐゴシック" pitchFamily="124" charset="-128"/>
+                  </a:rPr>
+                  <a:t>auflandiger Wind, sodass eine flache, maritime Grenzschicht zu </a:t>
+                </a:r>
+                <a:r>
+                  <a:rPr lang="de-DE" sz="3200" dirty="0" smtClean="0">
+                    <a:solidFill>
+                      <a:schemeClr val="tx1"/>
+                    </a:solidFill>
+                    <a:ea typeface="ＭＳ Ｐゴシック" pitchFamily="124" charset="-128"/>
+                  </a:rPr>
+                  <a:t>erwarten war.</a:t>
+                </a:r>
+                <a:endParaRPr lang="de-DE" sz="3200" dirty="0">
+                  <a:solidFill>
+                    <a:schemeClr val="tx1"/>
+                  </a:solidFill>
+                  <a:ea typeface="ＭＳ Ｐゴシック" pitchFamily="124" charset="-128"/>
+                </a:endParaRPr>
               </a:p>
               <a:p>
                 <a:pPr algn="just"/>
@@ -4036,13 +4404,13 @@
             </p:txBody>
           </p:sp>
         </mc:Choice>
-        <mc:Fallback xmlns="">
+        <mc:Fallback>
           <p:sp>
             <p:nvSpPr>
               <p:cNvPr id="30" name="Rechteck 29">
                 <a:extLst>
                   <a:ext uri="{FF2B5EF4-FFF2-40B4-BE49-F238E27FC236}">
-                    <a16:creationId xmlns:a16="http://schemas.microsoft.com/office/drawing/2014/main" id="{00F2F1BC-0D66-45C0-8E9C-5464DBC9DD37}"/>
+                    <a16:creationId xmlns:a16="http://schemas.microsoft.com/office/drawing/2014/main" xmlns="" xmlns:a14="http://schemas.microsoft.com/office/drawing/2010/main" id="{00F2F1BC-0D66-45C0-8E9C-5464DBC9DD37}"/>
                   </a:ext>
                 </a:extLst>
               </p:cNvPr>
@@ -4054,15 +4422,15 @@
             <p:spPr>
               <a:xfrm>
                 <a:off x="1384078" y="13264977"/>
-                <a:ext cx="16129792" cy="11203067"/>
+                <a:ext cx="16129792" cy="11249233"/>
               </a:xfrm>
               <a:prstGeom prst="rect">
                 <a:avLst/>
               </a:prstGeom>
-              <a:blipFill>
+              <a:blipFill rotWithShape="0">
                 <a:blip r:embed="rId12"/>
                 <a:stretch>
-                  <a:fillRect l="-1323" t="-979" r="-983"/>
+                  <a:fillRect l="-2003" t="-1518" r="-983"/>
                 </a:stretch>
               </a:blipFill>
             </p:spPr>
@@ -4086,7 +4454,7 @@
           <p:cNvPr id="31" name="Rechteck 30">
             <a:extLst>
               <a:ext uri="{FF2B5EF4-FFF2-40B4-BE49-F238E27FC236}">
-                <a16:creationId xmlns="" xmlns:a16="http://schemas.microsoft.com/office/drawing/2014/main" id="{C3341CF7-5EEF-4D99-A4D6-A304B51278B0}"/>
+                <a16:creationId xmlns:a16="http://schemas.microsoft.com/office/drawing/2014/main" xmlns="" id="{C3341CF7-5EEF-4D99-A4D6-A304B51278B0}"/>
               </a:ext>
             </a:extLst>
           </p:cNvPr>
@@ -4096,7 +4464,7 @@
         <p:spPr>
           <a:xfrm>
             <a:off x="12257286" y="23729353"/>
-            <a:ext cx="16633848" cy="8617744"/>
+            <a:ext cx="16633848" cy="8910131"/>
           </a:xfrm>
           <a:prstGeom prst="rect">
             <a:avLst/>
@@ -4109,7 +4477,7 @@
           <a:lstStyle/>
           <a:p>
             <a:r>
-              <a:rPr lang="de-DE" sz="4000" b="1" dirty="0">
+              <a:rPr lang="de-DE" sz="5400" b="1" dirty="0">
                 <a:solidFill>
                   <a:srgbClr val="CB1028"/>
                 </a:solidFill>
@@ -4117,6 +4485,12 @@
               </a:rPr>
               <a:t>Ergebnisse</a:t>
             </a:r>
+            <a:endParaRPr lang="de-DE" sz="4400" b="1" dirty="0">
+              <a:solidFill>
+                <a:srgbClr val="CB1028"/>
+              </a:solidFill>
+              <a:ea typeface="ＭＳ Ｐゴシック" pitchFamily="124" charset="-128"/>
+            </a:endParaRPr>
           </a:p>
           <a:p>
             <a:pPr marL="457200" indent="-457200" algn="just">
@@ -4133,7 +4507,79 @@
                 </a:solidFill>
                 <a:ea typeface="ＭＳ Ｐゴシック" pitchFamily="124" charset="-128"/>
               </a:rPr>
-              <a:t>Die aus den Gradienten der Größen a-d abgeleiteten Grenzschichthöhen sind untereinander weitestgehend konsistent (Abbildung 2). An beiden Tagen zeigt sich ein Absinken der Grenzschichthöhe von ca. 400 m auf ca. 100 m im Verlauf des Tages, während die Luft in der freien Atmosphäre zunehmend trockener wird (Abbildung 1, nur für Tag 1 gezeigt). Dies deutet auf ein </a:t>
+              <a:t>Die aus den Gradienten der Größen a-d abgeleiteten Grenzschichthöhen sind </a:t>
+            </a:r>
+            <a:r>
+              <a:rPr lang="de-DE" sz="3200" dirty="0" err="1" smtClean="0">
+                <a:solidFill>
+                  <a:schemeClr val="tx1"/>
+                </a:solidFill>
+                <a:ea typeface="ＭＳ Ｐゴシック" pitchFamily="124" charset="-128"/>
+              </a:rPr>
+              <a:t>unterein-ander</a:t>
+            </a:r>
+            <a:r>
+              <a:rPr lang="de-DE" sz="3200" dirty="0" smtClean="0">
+                <a:solidFill>
+                  <a:schemeClr val="tx1"/>
+                </a:solidFill>
+                <a:ea typeface="ＭＳ Ｐゴシック" pitchFamily="124" charset="-128"/>
+              </a:rPr>
+              <a:t> </a:t>
+            </a:r>
+            <a:r>
+              <a:rPr lang="de-DE" sz="3200" dirty="0">
+                <a:solidFill>
+                  <a:schemeClr val="tx1"/>
+                </a:solidFill>
+                <a:ea typeface="ＭＳ Ｐゴシック" pitchFamily="124" charset="-128"/>
+              </a:rPr>
+              <a:t>weitestgehend konsistent (Abbildung 2). An beiden Tagen zeigt sich ein Absinken der </a:t>
+            </a:r>
+            <a:r>
+              <a:rPr lang="de-DE" sz="3200" dirty="0" smtClean="0">
+                <a:solidFill>
+                  <a:schemeClr val="tx1"/>
+                </a:solidFill>
+                <a:ea typeface="ＭＳ Ｐゴシック" pitchFamily="124" charset="-128"/>
+              </a:rPr>
+              <a:t>Grenzschichthöhe </a:t>
+            </a:r>
+            <a:r>
+              <a:rPr lang="de-DE" sz="3200" dirty="0">
+                <a:solidFill>
+                  <a:schemeClr val="tx1"/>
+                </a:solidFill>
+                <a:ea typeface="ＭＳ Ｐゴシック" pitchFamily="124" charset="-128"/>
+              </a:rPr>
+              <a:t>von ca. 400 m auf ca. 100 m im Verlauf des Tages, während die Luft in der freien Atmosphäre zunehmend trockener wird (Abbildung 1, nur für Tag 1 </a:t>
+            </a:r>
+            <a:r>
+              <a:rPr lang="de-DE" sz="3200" dirty="0" err="1" smtClean="0">
+                <a:solidFill>
+                  <a:schemeClr val="tx1"/>
+                </a:solidFill>
+                <a:ea typeface="ＭＳ Ｐゴシック" pitchFamily="124" charset="-128"/>
+              </a:rPr>
+              <a:t>ge</a:t>
+            </a:r>
+            <a:r>
+              <a:rPr lang="de-DE" sz="3200" dirty="0" smtClean="0">
+                <a:solidFill>
+                  <a:schemeClr val="tx1"/>
+                </a:solidFill>
+                <a:ea typeface="ＭＳ Ｐゴシック" pitchFamily="124" charset="-128"/>
+              </a:rPr>
+              <a:t>-zeigt</a:t>
+            </a:r>
+            <a:r>
+              <a:rPr lang="de-DE" sz="3200" dirty="0">
+                <a:solidFill>
+                  <a:schemeClr val="tx1"/>
+                </a:solidFill>
+                <a:ea typeface="ＭＳ Ｐゴシック" pitchFamily="124" charset="-128"/>
+              </a:rPr>
+              <a:t>). Dies deutet auf ein </a:t>
             </a:r>
             <a:r>
               <a:rPr lang="de-DE" sz="3200" dirty="0" err="1">
@@ -4151,7 +4597,25 @@
                 </a:solidFill>
                 <a:ea typeface="ＭＳ Ｐゴシック" pitchFamily="124" charset="-128"/>
               </a:rPr>
-              <a:t> Absinken der Luft hin, was zur vorherrschenden Hochdruckwetterlage an beiden Tagen passt. </a:t>
+              <a:t> Absinken der Luft hin, was zur vorherrschenden </a:t>
+            </a:r>
+            <a:r>
+              <a:rPr lang="de-DE" sz="3200" dirty="0" smtClean="0">
+                <a:solidFill>
+                  <a:schemeClr val="tx1"/>
+                </a:solidFill>
+                <a:ea typeface="ＭＳ Ｐゴシック" pitchFamily="124" charset="-128"/>
+              </a:rPr>
+              <a:t>Hochdruckwetterlage </a:t>
+            </a:r>
+            <a:r>
+              <a:rPr lang="de-DE" sz="3200" dirty="0">
+                <a:solidFill>
+                  <a:schemeClr val="tx1"/>
+                </a:solidFill>
+                <a:ea typeface="ＭＳ Ｐゴシック" pitchFamily="124" charset="-128"/>
+              </a:rPr>
+              <a:t>an beiden Tagen passt. </a:t>
             </a:r>
           </a:p>
           <a:p>
@@ -4175,7 +4639,79 @@
                 </a:solidFill>
                 <a:ea typeface="ＭＳ Ｐゴシック" pitchFamily="124" charset="-128"/>
               </a:rPr>
-              <a:t>An Tag 1 zeigen die aus den Größen a-d abgeleiteten Grenzschichthöhen über lange Zeiträume einen ähnlichen Verlauf wie die Grenzschichthöhe des </a:t>
+              <a:t>An Tag 1 zeigen die aus den Größen a-d abgeleiteten Grenzschichthöhen über lange </a:t>
+            </a:r>
+            <a:r>
+              <a:rPr lang="de-DE" sz="3200" dirty="0" smtClean="0">
+                <a:solidFill>
+                  <a:schemeClr val="tx1"/>
+                </a:solidFill>
+                <a:ea typeface="ＭＳ Ｐゴシック" pitchFamily="124" charset="-128"/>
+              </a:rPr>
+              <a:t>Zeiträume </a:t>
+            </a:r>
+            <a:r>
+              <a:rPr lang="de-DE" sz="3200" dirty="0">
+                <a:solidFill>
+                  <a:schemeClr val="tx1"/>
+                </a:solidFill>
+                <a:ea typeface="ＭＳ Ｐゴシック" pitchFamily="124" charset="-128"/>
+              </a:rPr>
+              <a:t>einen ähnlichen Verlauf wie die Grenzschichthöhe des </a:t>
+            </a:r>
+            <a:r>
+              <a:rPr lang="de-DE" sz="3200" dirty="0" err="1" smtClean="0">
+                <a:solidFill>
+                  <a:schemeClr val="tx1"/>
+                </a:solidFill>
+                <a:ea typeface="ＭＳ Ｐゴシック" pitchFamily="124" charset="-128"/>
+              </a:rPr>
+              <a:t>Ceilometers</a:t>
+            </a:r>
+            <a:r>
+              <a:rPr lang="de-DE" sz="3200" dirty="0" smtClean="0">
+                <a:solidFill>
+                  <a:schemeClr val="tx1"/>
+                </a:solidFill>
+                <a:ea typeface="ＭＳ Ｐゴシック" pitchFamily="124" charset="-128"/>
+              </a:rPr>
+              <a:t> (</a:t>
+            </a:r>
+            <a:r>
+              <a:rPr lang="de-DE" sz="3200" dirty="0" err="1" smtClean="0">
+                <a:solidFill>
+                  <a:schemeClr val="tx1"/>
+                </a:solidFill>
+                <a:ea typeface="ＭＳ Ｐゴシック" pitchFamily="124" charset="-128"/>
+              </a:rPr>
+              <a:t>A</a:t>
+            </a:r>
+            <a:r>
+              <a:rPr lang="de-DE" sz="3200" dirty="0" err="1" smtClean="0">
+                <a:solidFill>
+                  <a:schemeClr val="tx1"/>
+                </a:solidFill>
+                <a:ea typeface="ＭＳ Ｐゴシック" pitchFamily="124" charset="-128"/>
+              </a:rPr>
+              <a:t>bbil</a:t>
+            </a:r>
+            <a:r>
+              <a:rPr lang="de-DE" sz="3200" dirty="0" smtClean="0">
+                <a:solidFill>
+                  <a:schemeClr val="tx1"/>
+                </a:solidFill>
+                <a:ea typeface="ＭＳ Ｐゴシック" pitchFamily="124" charset="-128"/>
+              </a:rPr>
+              <a:t>-dung 2). </a:t>
+            </a:r>
+            <a:r>
+              <a:rPr lang="de-DE" sz="3200" dirty="0">
+                <a:solidFill>
+                  <a:schemeClr val="tx1"/>
+                </a:solidFill>
+                <a:ea typeface="ＭＳ Ｐゴシック" pitchFamily="124" charset="-128"/>
+              </a:rPr>
+              <a:t>An Tag 2 liegt die Grenzschichthöhe des </a:t>
             </a:r>
             <a:r>
               <a:rPr lang="de-DE" sz="3200" dirty="0" err="1">
@@ -4193,7 +4729,25 @@
                 </a:solidFill>
                 <a:ea typeface="ＭＳ Ｐゴシック" pitchFamily="124" charset="-128"/>
               </a:rPr>
-              <a:t>. An Tag 2 liegt die Grenzschichthöhe des </a:t>
+              <a:t> bis auf wenige Zeitabschnitte ca. 1,5 km </a:t>
+            </a:r>
+            <a:r>
+              <a:rPr lang="de-DE" sz="3200" dirty="0" smtClean="0">
+                <a:solidFill>
+                  <a:schemeClr val="tx1"/>
+                </a:solidFill>
+                <a:ea typeface="ＭＳ Ｐゴシック" pitchFamily="124" charset="-128"/>
+              </a:rPr>
+              <a:t>oberhalb</a:t>
+            </a:r>
+            <a:r>
+              <a:rPr lang="de-DE" sz="3200" dirty="0">
+                <a:solidFill>
+                  <a:schemeClr val="tx1"/>
+                </a:solidFill>
+                <a:ea typeface="ＭＳ Ｐゴシック" pitchFamily="124" charset="-128"/>
+              </a:rPr>
+              <a:t>. Mit dem </a:t>
             </a:r>
             <a:r>
               <a:rPr lang="de-DE" sz="3200" dirty="0" err="1">
@@ -4202,7 +4756,7 @@
                 </a:solidFill>
                 <a:ea typeface="ＭＳ Ｐゴシック" pitchFamily="124" charset="-128"/>
               </a:rPr>
-              <a:t>Ceilometers</a:t>
+              <a:t>Ceilometer</a:t>
             </a:r>
             <a:r>
               <a:rPr lang="de-DE" sz="3200" dirty="0">
@@ -4211,16 +4765,16 @@
                 </a:solidFill>
                 <a:ea typeface="ＭＳ Ｐゴシック" pitchFamily="124" charset="-128"/>
               </a:rPr>
-              <a:t> bis auf wenige Zeitabschnitte ca. 1,5 km oberhalb. Mit dem </a:t>
-            </a:r>
-            <a:r>
-              <a:rPr lang="de-DE" sz="3200" dirty="0" err="1">
-                <a:solidFill>
-                  <a:schemeClr val="tx1"/>
-                </a:solidFill>
-                <a:ea typeface="ＭＳ Ｐゴシック" pitchFamily="124" charset="-128"/>
-              </a:rPr>
-              <a:t>Ceilometer</a:t>
+              <a:t> wird die Grenzschichthöhe aus der vertikalen </a:t>
+            </a:r>
+            <a:r>
+              <a:rPr lang="de-DE" sz="3200" dirty="0" smtClean="0">
+                <a:solidFill>
+                  <a:schemeClr val="tx1"/>
+                </a:solidFill>
+                <a:ea typeface="ＭＳ Ｐゴシック" pitchFamily="124" charset="-128"/>
+              </a:rPr>
+              <a:t>Aerosol-verteilung </a:t>
             </a:r>
             <a:r>
               <a:rPr lang="de-DE" sz="3200" dirty="0">
@@ -4229,7 +4783,43 @@
                 </a:solidFill>
                 <a:ea typeface="ＭＳ Ｐゴシック" pitchFamily="124" charset="-128"/>
               </a:rPr>
-              <a:t> wird die Grenzschichthöhe aus der vertikalen Aerosolverteilung abgeleitet: Die Grenzschicht unterscheidet sich von der darüberliegenden Schicht durch eine höhere Aerosolkonzentration. Möglicherweise war die unterste „Aerosol-Grenzschicht“ an Tag 2 nur schwach ausgebildet und wurde deshalb vom </a:t>
+              <a:t>abgeleitet: Die Grenzschicht unterscheidet sich von der darüberliegenden Schicht durch eine höhere Aerosolkonzentration. Möglicherweise war die unterste „</a:t>
+            </a:r>
+            <a:r>
+              <a:rPr lang="de-DE" sz="3200" dirty="0" smtClean="0">
+                <a:solidFill>
+                  <a:schemeClr val="tx1"/>
+                </a:solidFill>
+                <a:ea typeface="ＭＳ Ｐゴシック" pitchFamily="124" charset="-128"/>
+              </a:rPr>
+              <a:t>Aerosol-Grenzschicht</a:t>
+            </a:r>
+            <a:r>
+              <a:rPr lang="de-DE" sz="3200" dirty="0">
+                <a:solidFill>
+                  <a:schemeClr val="tx1"/>
+                </a:solidFill>
+                <a:ea typeface="ＭＳ Ｐゴシック" pitchFamily="124" charset="-128"/>
+              </a:rPr>
+              <a:t>“ an Tag 2 nur schwach ausgebildet und wurde </a:t>
+            </a:r>
+            <a:r>
+              <a:rPr lang="de-DE" sz="3200" dirty="0" smtClean="0">
+                <a:solidFill>
+                  <a:schemeClr val="tx1"/>
+                </a:solidFill>
+                <a:ea typeface="ＭＳ Ｐゴシック" pitchFamily="124" charset="-128"/>
+              </a:rPr>
+              <a:t>des-halb </a:t>
+            </a:r>
+            <a:r>
+              <a:rPr lang="de-DE" sz="3200" dirty="0">
+                <a:solidFill>
+                  <a:schemeClr val="tx1"/>
+                </a:solidFill>
+                <a:ea typeface="ＭＳ Ｐゴシック" pitchFamily="124" charset="-128"/>
+              </a:rPr>
+              <a:t>vom </a:t>
             </a:r>
             <a:r>
               <a:rPr lang="de-DE" sz="3200" dirty="0" err="1">
@@ -4275,7 +4865,7 @@
           <p:cNvPr id="32" name="Rechteck 31">
             <a:extLst>
               <a:ext uri="{FF2B5EF4-FFF2-40B4-BE49-F238E27FC236}">
-                <a16:creationId xmlns="" xmlns:a16="http://schemas.microsoft.com/office/drawing/2014/main" id="{300F36BE-D129-4C43-93EB-06AAA8CA1682}"/>
+                <a16:creationId xmlns:a16="http://schemas.microsoft.com/office/drawing/2014/main" xmlns="" id="{300F36BE-D129-4C43-93EB-06AAA8CA1682}"/>
               </a:ext>
             </a:extLst>
           </p:cNvPr>
@@ -4284,8 +4874,8 @@
         </p:nvSpPr>
         <p:spPr bwMode="auto">
           <a:xfrm>
-            <a:off x="1312070" y="32995169"/>
-            <a:ext cx="27544693" cy="2736304"/>
+            <a:off x="1384078" y="32995169"/>
+            <a:ext cx="27507056" cy="2736304"/>
           </a:xfrm>
           <a:prstGeom prst="rect">
             <a:avLst/>
@@ -4322,7 +4912,7 @@
               <a:tabLst/>
             </a:pPr>
             <a:r>
-              <a:rPr kumimoji="0" lang="de-DE" sz="4400" b="1" i="0" u="none" strike="noStrike" cap="none" normalizeH="0" baseline="0" dirty="0">
+              <a:rPr kumimoji="0" lang="de-DE" sz="5400" b="1" i="0" u="none" strike="noStrike" cap="none" normalizeH="0" baseline="0" dirty="0">
                 <a:ln>
                   <a:noFill/>
                 </a:ln>
@@ -4335,6 +4925,17 @@
               </a:rPr>
               <a:t>Fazit</a:t>
             </a:r>
+            <a:endParaRPr kumimoji="0" lang="de-DE" sz="4400" b="1" i="0" u="none" strike="noStrike" cap="none" normalizeH="0" baseline="0" dirty="0">
+              <a:ln>
+                <a:noFill/>
+              </a:ln>
+              <a:solidFill>
+                <a:srgbClr val="CB1028"/>
+              </a:solidFill>
+              <a:effectLst/>
+              <a:latin typeface="Arial" charset="0"/>
+              <a:ea typeface="ＭＳ Ｐゴシック" pitchFamily="124" charset="-128"/>
+            </a:endParaRPr>
           </a:p>
           <a:p>
             <a:pPr marR="0" indent="0" algn="just" defTabSz="914400" rtl="0" eaLnBrk="0" fontAlgn="base" latinLnBrk="0" hangingPunct="0">
@@ -4388,7 +4989,7 @@
           <p:cNvPr id="3" name="Textfeld 2">
             <a:extLst>
               <a:ext uri="{FF2B5EF4-FFF2-40B4-BE49-F238E27FC236}">
-                <a16:creationId xmlns="" xmlns:a16="http://schemas.microsoft.com/office/drawing/2014/main" id="{C482370A-031D-490B-BB61-52320A1D9812}"/>
+                <a16:creationId xmlns:a16="http://schemas.microsoft.com/office/drawing/2014/main" xmlns="" id="{C482370A-031D-490B-BB61-52320A1D9812}"/>
               </a:ext>
             </a:extLst>
           </p:cNvPr>
@@ -4427,7 +5028,7 @@
           <p:cNvPr id="37" name="Textfeld 36">
             <a:extLst>
               <a:ext uri="{FF2B5EF4-FFF2-40B4-BE49-F238E27FC236}">
-                <a16:creationId xmlns="" xmlns:a16="http://schemas.microsoft.com/office/drawing/2014/main" id="{1BDCF4C2-C577-4A16-8F54-B79D596CC1EA}"/>
+                <a16:creationId xmlns:a16="http://schemas.microsoft.com/office/drawing/2014/main" xmlns="" id="{1BDCF4C2-C577-4A16-8F54-B79D596CC1EA}"/>
               </a:ext>
             </a:extLst>
           </p:cNvPr>
@@ -4466,7 +5067,7 @@
           <p:cNvPr id="38" name="Textfeld 37">
             <a:extLst>
               <a:ext uri="{FF2B5EF4-FFF2-40B4-BE49-F238E27FC236}">
-                <a16:creationId xmlns="" xmlns:a16="http://schemas.microsoft.com/office/drawing/2014/main" id="{6334D7CE-714E-44A6-A1F0-EBAEBE3BBE04}"/>
+                <a16:creationId xmlns:a16="http://schemas.microsoft.com/office/drawing/2014/main" xmlns="" id="{6334D7CE-714E-44A6-A1F0-EBAEBE3BBE04}"/>
               </a:ext>
             </a:extLst>
           </p:cNvPr>
@@ -4505,7 +5106,7 @@
           <p:cNvPr id="39" name="Textfeld 38">
             <a:extLst>
               <a:ext uri="{FF2B5EF4-FFF2-40B4-BE49-F238E27FC236}">
-                <a16:creationId xmlns="" xmlns:a16="http://schemas.microsoft.com/office/drawing/2014/main" id="{0FF17D11-5160-48B3-AB85-3507E70DDA64}"/>
+                <a16:creationId xmlns:a16="http://schemas.microsoft.com/office/drawing/2014/main" xmlns="" id="{0FF17D11-5160-48B3-AB85-3507E70DDA64}"/>
               </a:ext>
             </a:extLst>
           </p:cNvPr>
@@ -4544,7 +5145,7 @@
           <p:cNvPr id="48" name="Grafik 47">
             <a:extLst>
               <a:ext uri="{FF2B5EF4-FFF2-40B4-BE49-F238E27FC236}">
-                <a16:creationId xmlns="" xmlns:a16="http://schemas.microsoft.com/office/drawing/2014/main" id="{BB1C5633-6B63-46F0-88FA-CD7E3FD81E07}"/>
+                <a16:creationId xmlns:a16="http://schemas.microsoft.com/office/drawing/2014/main" xmlns="" id="{BB1C5633-6B63-46F0-88FA-CD7E3FD81E07}"/>
               </a:ext>
             </a:extLst>
           </p:cNvPr>
@@ -4579,7 +5180,7 @@
           <p:cNvPr id="51" name="Rechteck 50">
             <a:extLst>
               <a:ext uri="{FF2B5EF4-FFF2-40B4-BE49-F238E27FC236}">
-                <a16:creationId xmlns="" xmlns:a16="http://schemas.microsoft.com/office/drawing/2014/main" id="{68CFEE92-01D5-463D-9A02-CF06A165DEB3}"/>
+                <a16:creationId xmlns:a16="http://schemas.microsoft.com/office/drawing/2014/main" xmlns="" id="{68CFEE92-01D5-463D-9A02-CF06A165DEB3}"/>
               </a:ext>
             </a:extLst>
           </p:cNvPr>
@@ -4588,8 +5189,8 @@
         </p:nvSpPr>
         <p:spPr bwMode="auto">
           <a:xfrm>
-            <a:off x="1130049" y="7211362"/>
-            <a:ext cx="16671853" cy="5639227"/>
+            <a:off x="1130049" y="7059230"/>
+            <a:ext cx="16671853" cy="5791359"/>
           </a:xfrm>
           <a:prstGeom prst="rect">
             <a:avLst/>
@@ -4667,7 +5268,7 @@
           <p:cNvPr id="52" name="Rechteck 51">
             <a:extLst>
               <a:ext uri="{FF2B5EF4-FFF2-40B4-BE49-F238E27FC236}">
-                <a16:creationId xmlns="" xmlns:a16="http://schemas.microsoft.com/office/drawing/2014/main" id="{F3575320-5DCA-4F4E-8747-AF1EDBFBCCDE}"/>
+                <a16:creationId xmlns:a16="http://schemas.microsoft.com/office/drawing/2014/main" xmlns="" id="{F3575320-5DCA-4F4E-8747-AF1EDBFBCCDE}"/>
               </a:ext>
             </a:extLst>
           </p:cNvPr>
@@ -4755,7 +5356,7 @@
           <p:cNvPr id="53" name="Rechteck 52">
             <a:extLst>
               <a:ext uri="{FF2B5EF4-FFF2-40B4-BE49-F238E27FC236}">
-                <a16:creationId xmlns="" xmlns:a16="http://schemas.microsoft.com/office/drawing/2014/main" id="{7973F3FC-5E7F-4F70-BBE8-C9FD865385DA}"/>
+                <a16:creationId xmlns:a16="http://schemas.microsoft.com/office/drawing/2014/main" xmlns="" id="{7973F3FC-5E7F-4F70-BBE8-C9FD865385DA}"/>
               </a:ext>
             </a:extLst>
           </p:cNvPr>
@@ -4843,7 +5444,7 @@
           <p:cNvPr id="55" name="Textfeld 54">
             <a:extLst>
               <a:ext uri="{FF2B5EF4-FFF2-40B4-BE49-F238E27FC236}">
-                <a16:creationId xmlns="" xmlns:a16="http://schemas.microsoft.com/office/drawing/2014/main" id="{C0B73B63-FE2C-4364-AE63-291F7E9BEC75}"/>
+                <a16:creationId xmlns:a16="http://schemas.microsoft.com/office/drawing/2014/main" xmlns="" id="{C0B73B63-FE2C-4364-AE63-291F7E9BEC75}"/>
               </a:ext>
             </a:extLst>
           </p:cNvPr>
@@ -4884,7 +5485,7 @@
           <p:cNvPr id="57" name="Textfeld 56">
             <a:extLst>
               <a:ext uri="{FF2B5EF4-FFF2-40B4-BE49-F238E27FC236}">
-                <a16:creationId xmlns="" xmlns:a16="http://schemas.microsoft.com/office/drawing/2014/main" id="{08A6F72A-C1FC-4C0D-A939-FC387DC90072}"/>
+                <a16:creationId xmlns:a16="http://schemas.microsoft.com/office/drawing/2014/main" xmlns="" id="{08A6F72A-C1FC-4C0D-A939-FC387DC90072}"/>
               </a:ext>
             </a:extLst>
           </p:cNvPr>
@@ -4893,8 +5494,8 @@
         </p:nvSpPr>
         <p:spPr>
           <a:xfrm>
-            <a:off x="1145997" y="31483001"/>
-            <a:ext cx="10679241" cy="1200329"/>
+            <a:off x="1384078" y="31483001"/>
+            <a:ext cx="10441160" cy="1200329"/>
           </a:xfrm>
           <a:prstGeom prst="rect">
             <a:avLst/>
@@ -4941,7 +5542,7 @@
           <p:cNvPr id="5" name="Textfeld 4">
             <a:extLst>
               <a:ext uri="{FF2B5EF4-FFF2-40B4-BE49-F238E27FC236}">
-                <a16:creationId xmlns="" xmlns:a16="http://schemas.microsoft.com/office/drawing/2014/main" id="{BD3B7960-0046-4270-8887-5840CEBC8C11}"/>
+                <a16:creationId xmlns:a16="http://schemas.microsoft.com/office/drawing/2014/main" xmlns="" id="{BD3B7960-0046-4270-8887-5840CEBC8C11}"/>
               </a:ext>
             </a:extLst>
           </p:cNvPr>
@@ -4980,7 +5581,7 @@
           <p:cNvPr id="41" name="Textfeld 40">
             <a:extLst>
               <a:ext uri="{FF2B5EF4-FFF2-40B4-BE49-F238E27FC236}">
-                <a16:creationId xmlns="" xmlns:a16="http://schemas.microsoft.com/office/drawing/2014/main" id="{F014A4D5-D280-470D-94AC-69EDC4357088}"/>
+                <a16:creationId xmlns:a16="http://schemas.microsoft.com/office/drawing/2014/main" xmlns="" id="{F014A4D5-D280-470D-94AC-69EDC4357088}"/>
               </a:ext>
             </a:extLst>
           </p:cNvPr>
@@ -5019,7 +5620,7 @@
           <p:cNvPr id="10" name="Grafik 9">
             <a:extLst>
               <a:ext uri="{FF2B5EF4-FFF2-40B4-BE49-F238E27FC236}">
-                <a16:creationId xmlns="" xmlns:a16="http://schemas.microsoft.com/office/drawing/2014/main" id="{3A6AF501-4A38-436B-9853-AEEC499AA30B}"/>
+                <a16:creationId xmlns:a16="http://schemas.microsoft.com/office/drawing/2014/main" xmlns="" id="{3A6AF501-4A38-436B-9853-AEEC499AA30B}"/>
               </a:ext>
             </a:extLst>
           </p:cNvPr>
@@ -5055,7 +5656,7 @@
           <p:cNvPr id="7" name="Rechteck 6">
             <a:extLst>
               <a:ext uri="{FF2B5EF4-FFF2-40B4-BE49-F238E27FC236}">
-                <a16:creationId xmlns="" xmlns:a16="http://schemas.microsoft.com/office/drawing/2014/main" id="{FA16231D-25CD-46DC-B80B-E9959F4A5A2B}"/>
+                <a16:creationId xmlns:a16="http://schemas.microsoft.com/office/drawing/2014/main" xmlns="" id="{FA16231D-25CD-46DC-B80B-E9959F4A5A2B}"/>
               </a:ext>
             </a:extLst>
           </p:cNvPr>
@@ -5148,7 +5749,7 @@
           <p:cNvPr id="43" name="Bild 11">
             <a:extLst>
               <a:ext uri="{FF2B5EF4-FFF2-40B4-BE49-F238E27FC236}">
-                <a16:creationId xmlns="" xmlns:a16="http://schemas.microsoft.com/office/drawing/2014/main" id="{6FEF69BF-68F2-47C5-A1FB-163FA70B573F}"/>
+                <a16:creationId xmlns:a16="http://schemas.microsoft.com/office/drawing/2014/main" xmlns="" id="{6FEF69BF-68F2-47C5-A1FB-163FA70B573F}"/>
               </a:ext>
             </a:extLst>
           </p:cNvPr>
@@ -5203,6 +5804,166 @@
           </a:prstGeom>
         </p:spPr>
       </p:pic>
+      <p:sp>
+        <p:nvSpPr>
+          <p:cNvPr id="45" name="Textfeld 44"/>
+          <p:cNvSpPr txBox="1"/>
+          <p:nvPr/>
+        </p:nvSpPr>
+        <p:spPr>
+          <a:xfrm>
+            <a:off x="1744119" y="4911280"/>
+            <a:ext cx="22396642" cy="1446550"/>
+          </a:xfrm>
+          <a:prstGeom prst="rect">
+            <a:avLst/>
+          </a:prstGeom>
+          <a:noFill/>
+        </p:spPr>
+        <p:txBody>
+          <a:bodyPr wrap="square" rtlCol="0">
+            <a:spAutoFit/>
+          </a:bodyPr>
+          <a:lstStyle/>
+          <a:p>
+            <a:r>
+              <a:rPr lang="de-DE" sz="2800" i="1" dirty="0" err="1" smtClean="0">
+                <a:solidFill>
+                  <a:schemeClr val="tx1">
+                    <a:lumMod val="65000"/>
+                    <a:lumOff val="35000"/>
+                  </a:schemeClr>
+                </a:solidFill>
+              </a:rPr>
+              <a:t>laura.dietrich@studium.uni-hamburg.de</a:t>
+            </a:r>
+            <a:r>
+              <a:rPr lang="de-DE" sz="2800" i="1" dirty="0">
+                <a:solidFill>
+                  <a:schemeClr val="tx1">
+                    <a:lumMod val="65000"/>
+                    <a:lumOff val="35000"/>
+                  </a:schemeClr>
+                </a:solidFill>
+              </a:rPr>
+              <a:t>, </a:t>
+            </a:r>
+            <a:r>
+              <a:rPr lang="de-DE" sz="2800" i="1" dirty="0" err="1">
+                <a:solidFill>
+                  <a:schemeClr val="tx1">
+                    <a:lumMod val="65000"/>
+                    <a:lumOff val="35000"/>
+                  </a:schemeClr>
+                </a:solidFill>
+              </a:rPr>
+              <a:t>hennig.dorff@studium.uni-hamburg.de</a:t>
+            </a:r>
+            <a:r>
+              <a:rPr lang="de-DE" sz="2800" i="1" dirty="0">
+                <a:solidFill>
+                  <a:schemeClr val="tx1">
+                    <a:lumMod val="65000"/>
+                    <a:lumOff val="35000"/>
+                  </a:schemeClr>
+                </a:solidFill>
+              </a:rPr>
+              <a:t>, </a:t>
+            </a:r>
+            <a:r>
+              <a:rPr lang="de-DE" sz="2800" i="1" dirty="0" err="1">
+                <a:solidFill>
+                  <a:schemeClr val="tx1">
+                    <a:lumMod val="65000"/>
+                    <a:lumOff val="35000"/>
+                  </a:schemeClr>
+                </a:solidFill>
+              </a:rPr>
+              <a:t>jakob.doerr@studium.uni-hamburg.de</a:t>
+            </a:r>
+            <a:r>
+              <a:rPr lang="de-DE" sz="2800" i="1" dirty="0">
+                <a:solidFill>
+                  <a:schemeClr val="tx1">
+                    <a:lumMod val="65000"/>
+                    <a:lumOff val="35000"/>
+                  </a:schemeClr>
+                </a:solidFill>
+              </a:rPr>
+              <a:t>, </a:t>
+            </a:r>
+            <a:r>
+              <a:rPr lang="de-DE" sz="2800" i="1" dirty="0" err="1">
+                <a:solidFill>
+                  <a:schemeClr val="tx1">
+                    <a:lumMod val="65000"/>
+                    <a:lumOff val="35000"/>
+                  </a:schemeClr>
+                </a:solidFill>
+              </a:rPr>
+              <a:t>joscha.fregin@studium.uni-hamburg.de</a:t>
+            </a:r>
+            <a:r>
+              <a:rPr lang="de-DE" sz="2800" i="1" dirty="0">
+                <a:solidFill>
+                  <a:schemeClr val="tx1">
+                    <a:lumMod val="65000"/>
+                    <a:lumOff val="35000"/>
+                  </a:schemeClr>
+                </a:solidFill>
+              </a:rPr>
+              <a:t>, </a:t>
+            </a:r>
+            <a:r>
+              <a:rPr lang="de-DE" sz="2800" i="1" dirty="0" err="1">
+                <a:solidFill>
+                  <a:schemeClr val="tx1">
+                    <a:lumMod val="65000"/>
+                    <a:lumOff val="35000"/>
+                  </a:schemeClr>
+                </a:solidFill>
+              </a:rPr>
+              <a:t>theresa.lang@studium.uni-hamburg.de</a:t>
+            </a:r>
+            <a:r>
+              <a:rPr lang="de-DE" sz="2800" i="1" dirty="0">
+                <a:solidFill>
+                  <a:schemeClr val="tx1">
+                    <a:lumMod val="65000"/>
+                    <a:lumOff val="35000"/>
+                  </a:schemeClr>
+                </a:solidFill>
+              </a:rPr>
+              <a:t>, </a:t>
+            </a:r>
+            <a:r>
+              <a:rPr lang="de-DE" sz="2800" i="1" dirty="0" err="1">
+                <a:solidFill>
+                  <a:schemeClr val="tx1">
+                    <a:lumMod val="65000"/>
+                    <a:lumOff val="35000"/>
+                  </a:schemeClr>
+                </a:solidFill>
+              </a:rPr>
+              <a:t>simon.michel@studium.uni-hamburg.de</a:t>
+            </a:r>
+            <a:r>
+              <a:rPr lang="de-DE" sz="2800" i="1" dirty="0">
+                <a:solidFill>
+                  <a:schemeClr val="tx1">
+                    <a:lumMod val="65000"/>
+                    <a:lumOff val="35000"/>
+                  </a:schemeClr>
+                </a:solidFill>
+              </a:rPr>
+              <a:t> </a:t>
+            </a:r>
+          </a:p>
+          <a:p>
+            <a:endParaRPr lang="de-DE" sz="3200" dirty="0"/>
+          </a:p>
+        </p:txBody>
+      </p:sp>
     </p:spTree>
   </p:cSld>
   <p:clrMapOvr>

--- a/poster/lex2018_poster_Grenzschichthöhe2_new.pptx
+++ b/poster/lex2018_poster_Grenzschichthöhe2_new.pptx
@@ -295,7 +295,7 @@
               <a:pPr>
                 <a:defRPr/>
               </a:pPr>
-              <a:t>01.10.18</a:t>
+              <a:t>02.10.2018</a:t>
             </a:fld>
             <a:endParaRPr lang="de-DE"/>
           </a:p>
@@ -598,7 +598,7 @@
               <a14:shadowObscured xmlns:a14="http://schemas.microsoft.com/office/drawing/2010/main" val="1"/>
             </a:ext>
             <a:ext uri="{FAA26D3D-D897-4be2-8F04-BA451C77F1D7}">
-              <ma14:placeholderFlag xmlns:ma14="http://schemas.microsoft.com/office/mac/drawingml/2011/main" val="1"/>
+              <ma14:placeholderFlag xmlns:ma14="http://schemas.microsoft.com/office/mac/drawingml/2011/main" xmlns="" val="1"/>
             </a:ext>
           </a:extLst>
         </p:spPr>
@@ -1148,7 +1148,7 @@
           <a:noFill/>
           <a:extLst>
             <a:ext uri="{FAA26D3D-D897-4be2-8F04-BA451C77F1D7}">
-              <ma14:placeholderFlag xmlns:ma14="http://schemas.microsoft.com/office/mac/drawingml/2011/main" val="1"/>
+              <ma14:placeholderFlag xmlns:ma14="http://schemas.microsoft.com/office/mac/drawingml/2011/main" xmlns="" val="1"/>
             </a:ext>
           </a:extLst>
         </p:spPr>
@@ -1900,7 +1900,7 @@
           <p:cNvPr id="9" name="Rechteck 8">
             <a:extLst>
               <a:ext uri="{FF2B5EF4-FFF2-40B4-BE49-F238E27FC236}">
-                <a16:creationId xmlns:a16="http://schemas.microsoft.com/office/drawing/2014/main" xmlns="" id="{0BEFA488-9F8C-44C1-8036-4005CE1E4DD6}"/>
+                <a16:creationId xmlns:a16="http://schemas.microsoft.com/office/drawing/2014/main" id="{0BEFA488-9F8C-44C1-8036-4005CE1E4DD6}"/>
               </a:ext>
             </a:extLst>
           </p:cNvPr>
@@ -1969,7 +1969,7 @@
           <p:cNvPr id="46" name="Grafik 45">
             <a:extLst>
               <a:ext uri="{FF2B5EF4-FFF2-40B4-BE49-F238E27FC236}">
-                <a16:creationId xmlns:a16="http://schemas.microsoft.com/office/drawing/2014/main" xmlns="" id="{0F071C14-9AB0-4E21-B7E2-45094DF55A7F}"/>
+                <a16:creationId xmlns:a16="http://schemas.microsoft.com/office/drawing/2014/main" id="{0F071C14-9AB0-4E21-B7E2-45094DF55A7F}"/>
               </a:ext>
             </a:extLst>
           </p:cNvPr>
@@ -2005,7 +2005,7 @@
           <p:cNvPr id="8" name="Grafik 7">
             <a:extLst>
               <a:ext uri="{FF2B5EF4-FFF2-40B4-BE49-F238E27FC236}">
-                <a16:creationId xmlns:a16="http://schemas.microsoft.com/office/drawing/2014/main" xmlns="" id="{40F347F3-75C3-4205-8EB5-49C6B8C37AB8}"/>
+                <a16:creationId xmlns:a16="http://schemas.microsoft.com/office/drawing/2014/main" id="{40F347F3-75C3-4205-8EB5-49C6B8C37AB8}"/>
               </a:ext>
             </a:extLst>
           </p:cNvPr>
@@ -2041,7 +2041,7 @@
           <p:cNvPr id="42" name="Grafik 41">
             <a:extLst>
               <a:ext uri="{FF2B5EF4-FFF2-40B4-BE49-F238E27FC236}">
-                <a16:creationId xmlns:a16="http://schemas.microsoft.com/office/drawing/2014/main" xmlns="" id="{4B1DE1F6-11B0-40C1-A4B8-E15A8BDAA33B}"/>
+                <a16:creationId xmlns:a16="http://schemas.microsoft.com/office/drawing/2014/main" id="{4B1DE1F6-11B0-40C1-A4B8-E15A8BDAA33B}"/>
               </a:ext>
             </a:extLst>
           </p:cNvPr>
@@ -2076,7 +2076,7 @@
           <p:cNvPr id="19" name="Grafik 18">
             <a:extLst>
               <a:ext uri="{FF2B5EF4-FFF2-40B4-BE49-F238E27FC236}">
-                <a16:creationId xmlns:a16="http://schemas.microsoft.com/office/drawing/2014/main" xmlns="" id="{C64CD5DA-027A-436F-BB33-5FEDAAC0EA66}"/>
+                <a16:creationId xmlns:a16="http://schemas.microsoft.com/office/drawing/2014/main" id="{C64CD5DA-027A-436F-BB33-5FEDAAC0EA66}"/>
               </a:ext>
             </a:extLst>
           </p:cNvPr>
@@ -2111,7 +2111,7 @@
           <p:cNvPr id="40" name="Grafik 39">
             <a:extLst>
               <a:ext uri="{FF2B5EF4-FFF2-40B4-BE49-F238E27FC236}">
-                <a16:creationId xmlns:a16="http://schemas.microsoft.com/office/drawing/2014/main" xmlns="" id="{43F77D3F-B640-41BC-AD39-B897E1D9F05A}"/>
+                <a16:creationId xmlns:a16="http://schemas.microsoft.com/office/drawing/2014/main" id="{43F77D3F-B640-41BC-AD39-B897E1D9F05A}"/>
               </a:ext>
             </a:extLst>
           </p:cNvPr>
@@ -2146,7 +2146,7 @@
           <p:cNvPr id="21" name="Grafik 20">
             <a:extLst>
               <a:ext uri="{FF2B5EF4-FFF2-40B4-BE49-F238E27FC236}">
-                <a16:creationId xmlns:a16="http://schemas.microsoft.com/office/drawing/2014/main" xmlns="" id="{976740B1-6D9C-4E1B-B8B3-A8B6E0F15E07}"/>
+                <a16:creationId xmlns:a16="http://schemas.microsoft.com/office/drawing/2014/main" id="{976740B1-6D9C-4E1B-B8B3-A8B6E0F15E07}"/>
               </a:ext>
             </a:extLst>
           </p:cNvPr>
@@ -2181,7 +2181,7 @@
           <p:cNvPr id="36" name="Grafik 35">
             <a:extLst>
               <a:ext uri="{FF2B5EF4-FFF2-40B4-BE49-F238E27FC236}">
-                <a16:creationId xmlns:a16="http://schemas.microsoft.com/office/drawing/2014/main" xmlns="" id="{A9D74C3F-3BE3-439D-AB17-890949333853}"/>
+                <a16:creationId xmlns:a16="http://schemas.microsoft.com/office/drawing/2014/main" id="{A9D74C3F-3BE3-439D-AB17-890949333853}"/>
               </a:ext>
             </a:extLst>
           </p:cNvPr>
@@ -3256,7 +3256,7 @@
           <p:cNvPr id="34" name="Bild 20">
             <a:extLst>
               <a:ext uri="{FF2B5EF4-FFF2-40B4-BE49-F238E27FC236}">
-                <a16:creationId xmlns:a16="http://schemas.microsoft.com/office/drawing/2014/main" xmlns="" id="{30C35D4B-54C9-4EFD-B637-C2B14B31D25E}"/>
+                <a16:creationId xmlns:a16="http://schemas.microsoft.com/office/drawing/2014/main" id="{30C35D4B-54C9-4EFD-B637-C2B14B31D25E}"/>
               </a:ext>
             </a:extLst>
           </p:cNvPr>
@@ -3286,7 +3286,7 @@
           <p:cNvPr id="35" name="Grafik 34">
             <a:extLst>
               <a:ext uri="{FF2B5EF4-FFF2-40B4-BE49-F238E27FC236}">
-                <a16:creationId xmlns:a16="http://schemas.microsoft.com/office/drawing/2014/main" xmlns="" id="{89186F4D-0C4C-4734-9D8C-2470FAFB8AE6}"/>
+                <a16:creationId xmlns:a16="http://schemas.microsoft.com/office/drawing/2014/main" id="{89186F4D-0C4C-4734-9D8C-2470FAFB8AE6}"/>
               </a:ext>
             </a:extLst>
           </p:cNvPr>
@@ -3371,7 +3371,7 @@
           <p:cNvPr id="6" name="Rechteck 5">
             <a:extLst>
               <a:ext uri="{FF2B5EF4-FFF2-40B4-BE49-F238E27FC236}">
-                <a16:creationId xmlns:a16="http://schemas.microsoft.com/office/drawing/2014/main" xmlns="" id="{2ECF76C5-1888-4029-9DF0-1BEAD530C454}"/>
+                <a16:creationId xmlns:a16="http://schemas.microsoft.com/office/drawing/2014/main" id="{2ECF76C5-1888-4029-9DF0-1BEAD530C454}"/>
               </a:ext>
             </a:extLst>
           </p:cNvPr>
@@ -3425,7 +3425,7 @@
               <a:t>Die vertikale Ausdehnung der atmosphärischen Grenzschicht spielt für viele </a:t>
             </a:r>
             <a:r>
-              <a:rPr lang="de-DE" sz="3200" i="1" dirty="0" err="1" smtClean="0">
+              <a:rPr lang="de-DE" sz="3200" i="1" dirty="0" err="1">
                 <a:solidFill>
                   <a:schemeClr val="tx1"/>
                 </a:solidFill>
@@ -3440,16 +3440,16 @@
                 </a:solidFill>
                 <a:ea typeface="ＭＳ Ｐゴシック" pitchFamily="124" charset="-128"/>
               </a:rPr>
-              <a:t>-</a:t>
-            </a:r>
-            <a:r>
-              <a:rPr lang="de-DE" sz="3200" i="1" dirty="0" smtClean="0">
+              <a:t>-gen (z.B. numerische Wettervorhersage, Berechnung der Ausbreitung von </a:t>
+            </a:r>
+            <a:r>
+              <a:rPr lang="de-DE" sz="3200" i="1" dirty="0" err="1">
                 <a:solidFill>
                   <a:schemeClr val="tx1"/>
                 </a:solidFill>
                 <a:ea typeface="ＭＳ Ｐゴシック" pitchFamily="124" charset="-128"/>
               </a:rPr>
-              <a:t>gen (z.B. numerische Wettervorhersage, Berechnung </a:t>
+              <a:t>Luftschad</a:t>
             </a:r>
             <a:r>
               <a:rPr lang="de-DE" sz="3200" i="1" dirty="0">
@@ -3458,16 +3458,16 @@
                 </a:solidFill>
                 <a:ea typeface="ＭＳ Ｐゴシック" pitchFamily="124" charset="-128"/>
               </a:rPr>
-              <a:t>der </a:t>
-            </a:r>
-            <a:r>
-              <a:rPr lang="de-DE" sz="3200" i="1" dirty="0" smtClean="0">
+              <a:t>-stoffen) eine wichtige Rolle. Die ALPACAs am Helikite bieten die Möglichkeit Temper-</a:t>
+            </a:r>
+            <a:r>
+              <a:rPr lang="de-DE" sz="3200" i="1" dirty="0" err="1">
                 <a:solidFill>
                   <a:schemeClr val="tx1"/>
                 </a:solidFill>
                 <a:ea typeface="ＭＳ Ｐゴシック" pitchFamily="124" charset="-128"/>
               </a:rPr>
-              <a:t>Ausbreitung </a:t>
+              <a:t>atur</a:t>
             </a:r>
             <a:r>
               <a:rPr lang="de-DE" sz="3200" i="1" dirty="0">
@@ -3476,115 +3476,25 @@
                 </a:solidFill>
                 <a:ea typeface="ＭＳ Ｐゴシック" pitchFamily="124" charset="-128"/>
               </a:rPr>
-              <a:t>von </a:t>
-            </a:r>
-            <a:r>
-              <a:rPr lang="de-DE" sz="3200" i="1" dirty="0" err="1" smtClean="0">
+              <a:t>, relative Feuchte und Druck in den untersten 500m der Atmosphäre mit hoher zeit-</a:t>
+            </a:r>
+            <a:r>
+              <a:rPr lang="de-DE" sz="3200" i="1" dirty="0" err="1">
                 <a:solidFill>
                   <a:schemeClr val="tx1"/>
                 </a:solidFill>
                 <a:ea typeface="ＭＳ Ｐゴシック" pitchFamily="124" charset="-128"/>
               </a:rPr>
-              <a:t>Luftschad</a:t>
-            </a:r>
-            <a:r>
-              <a:rPr lang="de-DE" sz="3200" i="1" dirty="0" smtClean="0">
+              <a:t>licher</a:t>
+            </a:r>
+            <a:r>
+              <a:rPr lang="de-DE" sz="3200" i="1" dirty="0">
                 <a:solidFill>
                   <a:schemeClr val="tx1"/>
                 </a:solidFill>
                 <a:ea typeface="ＭＳ Ｐゴシック" pitchFamily="124" charset="-128"/>
               </a:rPr>
-              <a:t>-stoffen) </a:t>
-            </a:r>
-            <a:r>
-              <a:rPr lang="de-DE" sz="3200" i="1" dirty="0">
-                <a:solidFill>
-                  <a:schemeClr val="tx1"/>
-                </a:solidFill>
-                <a:ea typeface="ＭＳ Ｐゴシック" pitchFamily="124" charset="-128"/>
-              </a:rPr>
-              <a:t>eine wichtige Rolle. Die ALPACAs am </a:t>
-            </a:r>
-            <a:r>
-              <a:rPr lang="de-DE" sz="3200" i="1" dirty="0" smtClean="0">
-                <a:solidFill>
-                  <a:schemeClr val="tx1"/>
-                </a:solidFill>
-                <a:ea typeface="ＭＳ Ｐゴシック" pitchFamily="124" charset="-128"/>
-              </a:rPr>
-              <a:t>Helikite bieten </a:t>
-            </a:r>
-            <a:r>
-              <a:rPr lang="de-DE" sz="3200" i="1" dirty="0">
-                <a:solidFill>
-                  <a:schemeClr val="tx1"/>
-                </a:solidFill>
-                <a:ea typeface="ＭＳ Ｐゴシック" pitchFamily="124" charset="-128"/>
-              </a:rPr>
-              <a:t>die Möglichkeit </a:t>
-            </a:r>
-            <a:r>
-              <a:rPr lang="de-DE" sz="3200" i="1" dirty="0" smtClean="0">
-                <a:solidFill>
-                  <a:schemeClr val="tx1"/>
-                </a:solidFill>
-                <a:ea typeface="ＭＳ Ｐゴシック" pitchFamily="124" charset="-128"/>
-              </a:rPr>
-              <a:t>Temper-</a:t>
-            </a:r>
-            <a:r>
-              <a:rPr lang="de-DE" sz="3200" i="1" dirty="0" err="1" smtClean="0">
-                <a:solidFill>
-                  <a:schemeClr val="tx1"/>
-                </a:solidFill>
-                <a:ea typeface="ＭＳ Ｐゴシック" pitchFamily="124" charset="-128"/>
-              </a:rPr>
-              <a:t>atur</a:t>
-            </a:r>
-            <a:r>
-              <a:rPr lang="de-DE" sz="3200" i="1" dirty="0">
-                <a:solidFill>
-                  <a:schemeClr val="tx1"/>
-                </a:solidFill>
-                <a:ea typeface="ＭＳ Ｐゴシック" pitchFamily="124" charset="-128"/>
-              </a:rPr>
-              <a:t>, relative Feuchte und Druck in den untersten 500m der Atmosphäre mit hoher </a:t>
-            </a:r>
-            <a:r>
-              <a:rPr lang="de-DE" sz="3200" i="1" dirty="0" smtClean="0">
-                <a:solidFill>
-                  <a:schemeClr val="tx1"/>
-                </a:solidFill>
-                <a:ea typeface="ＭＳ Ｐゴシック" pitchFamily="124" charset="-128"/>
-              </a:rPr>
-              <a:t>zeit-</a:t>
-            </a:r>
-            <a:r>
-              <a:rPr lang="de-DE" sz="3200" i="1" dirty="0" err="1" smtClean="0">
-                <a:solidFill>
-                  <a:schemeClr val="tx1"/>
-                </a:solidFill>
-                <a:ea typeface="ＭＳ Ｐゴシック" pitchFamily="124" charset="-128"/>
-              </a:rPr>
-              <a:t>licher</a:t>
-            </a:r>
-            <a:r>
-              <a:rPr lang="de-DE" sz="3200" i="1" dirty="0" smtClean="0">
-                <a:solidFill>
-                  <a:schemeClr val="tx1"/>
-                </a:solidFill>
-                <a:ea typeface="ＭＳ Ｐゴシック" pitchFamily="124" charset="-128"/>
-              </a:rPr>
-              <a:t> </a:t>
-            </a:r>
-            <a:r>
-              <a:rPr lang="de-DE" sz="3200" i="1" dirty="0">
-                <a:solidFill>
-                  <a:schemeClr val="tx1"/>
-                </a:solidFill>
-                <a:ea typeface="ＭＳ Ｐゴシック" pitchFamily="124" charset="-128"/>
-              </a:rPr>
-              <a:t>Auflösung zu messen. Folgende Fragen sollen anhand eines Beispiels geklärt werden: </a:t>
+              <a:t> Auflösung zu messen. Folgende Fragen sollen anhand eines Beispiels geklärt werden: </a:t>
             </a:r>
           </a:p>
           <a:p>
@@ -3602,32 +3512,8 @@
                 </a:solidFill>
                 <a:ea typeface="ＭＳ Ｐゴシック" pitchFamily="124" charset="-128"/>
               </a:rPr>
-              <a:t>Wie lassen sich die Daten der ALPACAs nutzen, um daraus die Höhe der </a:t>
-            </a:r>
-            <a:r>
-              <a:rPr lang="de-DE" sz="3200" b="1" i="1" dirty="0" smtClean="0">
-                <a:solidFill>
-                  <a:schemeClr val="tx1"/>
-                </a:solidFill>
-                <a:ea typeface="ＭＳ Ｐゴシック" pitchFamily="124" charset="-128"/>
-              </a:rPr>
-              <a:t>Grenz-schicht </a:t>
-            </a:r>
-            <a:r>
-              <a:rPr lang="de-DE" sz="3200" b="1" i="1" dirty="0">
-                <a:solidFill>
-                  <a:schemeClr val="tx1"/>
-                </a:solidFill>
-                <a:ea typeface="ＭＳ Ｐゴシック" pitchFamily="124" charset="-128"/>
-              </a:rPr>
-              <a:t>zu bestimmen? </a:t>
-            </a:r>
-            <a:endParaRPr lang="de-DE" sz="3200" b="1" i="1" dirty="0" smtClean="0">
-              <a:solidFill>
-                <a:schemeClr val="tx1"/>
-              </a:solidFill>
-              <a:ea typeface="ＭＳ Ｐゴシック" pitchFamily="124" charset="-128"/>
-            </a:endParaRPr>
+              <a:t>Wie lassen sich die Daten der ALPACAs nutzen, um daraus die Höhe der Grenz-schicht zu bestimmen? </a:t>
+            </a:r>
           </a:p>
           <a:p>
             <a:pPr marL="457200" indent="-457200" algn="just">
@@ -3638,13 +3524,22 @@
               <a:buChar char="•"/>
             </a:pPr>
             <a:r>
-              <a:rPr lang="de-DE" sz="3200" b="1" i="1" dirty="0" smtClean="0">
+              <a:rPr lang="de-DE" sz="3200" b="1" i="1" dirty="0">
                 <a:solidFill>
                   <a:schemeClr val="tx1"/>
                 </a:solidFill>
                 <a:ea typeface="ＭＳ Ｐゴシック" pitchFamily="124" charset="-128"/>
               </a:rPr>
-              <a:t>Stimmen </a:t>
+              <a:t>Stimmen die Ergebnisse mit den Messungen des </a:t>
+            </a:r>
+            <a:r>
+              <a:rPr lang="de-DE" sz="3200" b="1" i="1" dirty="0" err="1">
+                <a:solidFill>
+                  <a:schemeClr val="tx1"/>
+                </a:solidFill>
+                <a:ea typeface="ＭＳ Ｐゴシック" pitchFamily="124" charset="-128"/>
+              </a:rPr>
+              <a:t>Ceilometers</a:t>
             </a:r>
             <a:r>
               <a:rPr lang="de-DE" sz="3200" b="1" i="1" dirty="0">
@@ -3653,46 +3548,19 @@
                 </a:solidFill>
                 <a:ea typeface="ＭＳ Ｐゴシック" pitchFamily="124" charset="-128"/>
               </a:rPr>
-              <a:t>die Ergebnisse mit den Messungen des </a:t>
-            </a:r>
-            <a:r>
-              <a:rPr lang="de-DE" sz="3200" b="1" i="1" dirty="0" err="1" smtClean="0">
-                <a:solidFill>
-                  <a:schemeClr val="tx1"/>
-                </a:solidFill>
-                <a:ea typeface="ＭＳ Ｐゴシック" pitchFamily="124" charset="-128"/>
-              </a:rPr>
-              <a:t>Ceilometers</a:t>
-            </a:r>
-            <a:r>
-              <a:rPr lang="de-DE" sz="3200" b="1" i="1" dirty="0" smtClean="0">
-                <a:solidFill>
-                  <a:schemeClr val="tx1"/>
-                </a:solidFill>
-                <a:ea typeface="ＭＳ Ｐゴシック" pitchFamily="124" charset="-128"/>
-              </a:rPr>
-              <a:t> </a:t>
-            </a:r>
-            <a:r>
-              <a:rPr lang="de-DE" sz="3200" b="1" i="1" dirty="0">
-                <a:solidFill>
-                  <a:schemeClr val="tx1"/>
-                </a:solidFill>
-                <a:ea typeface="ＭＳ Ｐゴシック" pitchFamily="124" charset="-128"/>
-              </a:rPr>
-              <a:t>überein? </a:t>
+              <a:t> überein? </a:t>
             </a:r>
           </a:p>
         </p:txBody>
       </p:sp>
-      <mc:AlternateContent xmlns:mc="http://schemas.openxmlformats.org/markup-compatibility/2006">
-        <mc:Choice xmlns:a14="http://schemas.microsoft.com/office/drawing/2010/main" Requires="a14">
+      <mc:AlternateContent xmlns:mc="http://schemas.openxmlformats.org/markup-compatibility/2006" xmlns:a14="http://schemas.microsoft.com/office/drawing/2010/main">
+        <mc:Choice Requires="a14">
           <p:sp>
             <p:nvSpPr>
               <p:cNvPr id="30" name="Rechteck 29">
                 <a:extLst>
                   <a:ext uri="{FF2B5EF4-FFF2-40B4-BE49-F238E27FC236}">
-                    <a16:creationId xmlns:a16="http://schemas.microsoft.com/office/drawing/2014/main" xmlns="" id="{00F2F1BC-0D66-45C0-8E9C-5464DBC9DD37}"/>
+                    <a16:creationId xmlns:a16="http://schemas.microsoft.com/office/drawing/2014/main" id="{00F2F1BC-0D66-45C0-8E9C-5464DBC9DD37}"/>
                   </a:ext>
                 </a:extLst>
               </p:cNvPr>
@@ -3743,19 +3611,10 @@
                     </a:solidFill>
                     <a:ea typeface="ＭＳ Ｐゴシック" pitchFamily="124" charset="-128"/>
                   </a:rPr>
-                  <a:t>Zur Bestimmung der Grenzschichthöhe wurden die Vertikalprofile von vier </a:t>
+                  <a:t>Zur Bestimmung der Grenzschichthöhe wurden die Vertikalprofile von vier verschiede-</a:t>
                 </a:r>
                 <a:r>
-                  <a:rPr lang="de-DE" sz="3200" dirty="0" smtClean="0">
-                    <a:solidFill>
-                      <a:schemeClr val="tx1"/>
-                    </a:solidFill>
-                    <a:ea typeface="ＭＳ Ｐゴシック" pitchFamily="124" charset="-128"/>
-                  </a:rPr>
-                  <a:t>verschiede-</a:t>
-                </a:r>
-                <a:r>
-                  <a:rPr lang="de-DE" sz="3200" dirty="0" err="1" smtClean="0">
+                  <a:rPr lang="de-DE" sz="3200" dirty="0" err="1">
                     <a:solidFill>
                       <a:schemeClr val="tx1"/>
                     </a:solidFill>
@@ -3764,13 +3623,22 @@
                   <a:t>nen</a:t>
                 </a:r>
                 <a:r>
-                  <a:rPr lang="de-DE" sz="3200" dirty="0" smtClean="0">
+                  <a:rPr lang="de-DE" sz="3200" dirty="0">
                     <a:solidFill>
                       <a:schemeClr val="tx1"/>
                     </a:solidFill>
                     <a:ea typeface="ＭＳ Ｐゴシック" pitchFamily="124" charset="-128"/>
                   </a:rPr>
-                  <a:t> </a:t>
+                  <a:t> Größen verwendet (Abbildung 1), die sich aus den Messungen der ALPACAs </a:t>
+                </a:r>
+                <a:r>
+                  <a:rPr lang="de-DE" sz="3200" dirty="0" err="1">
+                    <a:solidFill>
+                      <a:schemeClr val="tx1"/>
+                    </a:solidFill>
+                    <a:ea typeface="ＭＳ Ｐゴシック" pitchFamily="124" charset="-128"/>
+                  </a:rPr>
+                  <a:t>ablei-ten</a:t>
                 </a:r>
                 <a:r>
                   <a:rPr lang="de-DE" sz="3200" dirty="0">
@@ -3779,34 +3647,7 @@
                     </a:solidFill>
                     <a:ea typeface="ＭＳ Ｐゴシック" pitchFamily="124" charset="-128"/>
                   </a:rPr>
-                  <a:t>Größen verwendet (Abbildung 1), die sich aus den Messungen der ALPACAs </a:t>
-                </a:r>
-                <a:r>
-                  <a:rPr lang="de-DE" sz="3200" dirty="0" err="1" smtClean="0">
-                    <a:solidFill>
-                      <a:schemeClr val="tx1"/>
-                    </a:solidFill>
-                    <a:ea typeface="ＭＳ Ｐゴシック" pitchFamily="124" charset="-128"/>
-                  </a:rPr>
-                  <a:t>ablei-ten</a:t>
-                </a:r>
-                <a:r>
-                  <a:rPr lang="de-DE" sz="3200" dirty="0" smtClean="0">
-                    <a:solidFill>
-                      <a:schemeClr val="tx1"/>
-                    </a:solidFill>
-                    <a:ea typeface="ＭＳ Ｐゴシック" pitchFamily="124" charset="-128"/>
-                  </a:rPr>
-                  <a:t> </a:t>
-                </a:r>
-                <a:r>
-                  <a:rPr lang="de-DE" sz="3200" dirty="0">
-                    <a:solidFill>
-                      <a:schemeClr val="tx1"/>
-                    </a:solidFill>
-                    <a:ea typeface="ＭＳ Ｐゴシック" pitchFamily="124" charset="-128"/>
-                  </a:rPr>
-                  <a:t>lassen:</a:t>
+                  <a:t> lassen:</a:t>
                 </a:r>
               </a:p>
               <a:p>
@@ -3967,7 +3808,7 @@
                   <a:t>“ </a:t>
                 </a:r>
                 <a:r>
-                  <a:rPr lang="de-DE" sz="3200" dirty="0" err="1" smtClean="0">
+                  <a:rPr lang="de-DE" sz="3200" dirty="0" err="1">
                     <a:solidFill>
                       <a:schemeClr val="tx1"/>
                     </a:solidFill>
@@ -3976,22 +3817,13 @@
                   <a:t>än-dern</a:t>
                 </a:r>
                 <a:r>
-                  <a:rPr lang="de-DE" sz="3200" dirty="0" smtClean="0">
-                    <a:solidFill>
-                      <a:schemeClr val="tx1"/>
-                    </a:solidFill>
-                    <a:ea typeface="ＭＳ Ｐゴシック" pitchFamily="124" charset="-128"/>
-                  </a:rPr>
-                  <a:t> </a:t>
-                </a:r>
-                <a:r>
                   <a:rPr lang="de-DE" sz="3200" dirty="0">
                     <a:solidFill>
                       <a:schemeClr val="tx1"/>
                     </a:solidFill>
                     <a:ea typeface="ＭＳ Ｐゴシック" pitchFamily="124" charset="-128"/>
                   </a:rPr>
-                  <a:t>sich diese Größen mit zunehmender Höhe meist abrupt. Um die Grenzschichthöhe </a:t>
+                  <a:t> sich diese Größen mit zunehmender Höhe meist abrupt. Um die Grenzschichthöhe </a:t>
                 </a:r>
                 <a14:m>
                   <m:oMath xmlns:m="http://schemas.openxmlformats.org/officeDocument/2006/math">
@@ -3999,7 +3831,7 @@
                       <m:sSubPr>
                         <m:ctrlPr>
                           <a:rPr lang="de-DE" sz="3200" i="1">
-                            <a:latin typeface="Cambria Math" charset="0"/>
+                            <a:latin typeface="Cambria Math" panose="02040503050406030204" pitchFamily="18" charset="0"/>
                           </a:rPr>
                         </m:ctrlPr>
                       </m:sSubPr>
@@ -4029,13 +3861,22 @@
                   </m:oMath>
                 </a14:m>
                 <a:r>
-                  <a:rPr lang="de-DE" sz="3200" dirty="0" smtClean="0">
+                  <a:rPr lang="de-DE" sz="3200" dirty="0">
                     <a:solidFill>
                       <a:schemeClr val="tx1"/>
                     </a:solidFill>
                     <a:ea typeface="ＭＳ Ｐゴシック" pitchFamily="124" charset="-128"/>
                   </a:rPr>
-                  <a:t>abzuschätzen </a:t>
+                  <a:t>abzuschätzen wird deshalb die Höhe ermittelt, in der der Betrag des </a:t>
+                </a:r>
+                <a:r>
+                  <a:rPr lang="de-DE" sz="3200" dirty="0" err="1">
+                    <a:solidFill>
+                      <a:schemeClr val="tx1"/>
+                    </a:solidFill>
+                    <a:ea typeface="ＭＳ Ｐゴシック" pitchFamily="124" charset="-128"/>
+                  </a:rPr>
+                  <a:t>Vertikalgradien-ten</a:t>
                 </a:r>
                 <a:r>
                   <a:rPr lang="de-DE" sz="3200" dirty="0">
@@ -4044,34 +3885,7 @@
                     </a:solidFill>
                     <a:ea typeface="ＭＳ Ｐゴシック" pitchFamily="124" charset="-128"/>
                   </a:rPr>
-                  <a:t>wird deshalb die Höhe ermittelt, in der der Betrag des </a:t>
-                </a:r>
-                <a:r>
-                  <a:rPr lang="de-DE" sz="3200" dirty="0" err="1" smtClean="0">
-                    <a:solidFill>
-                      <a:schemeClr val="tx1"/>
-                    </a:solidFill>
-                    <a:ea typeface="ＭＳ Ｐゴシック" pitchFamily="124" charset="-128"/>
-                  </a:rPr>
-                  <a:t>Vertikalgradien-ten</a:t>
-                </a:r>
-                <a:r>
-                  <a:rPr lang="de-DE" sz="3200" dirty="0" smtClean="0">
-                    <a:solidFill>
-                      <a:schemeClr val="tx1"/>
-                    </a:solidFill>
-                    <a:ea typeface="ＭＳ Ｐゴシック" pitchFamily="124" charset="-128"/>
-                  </a:rPr>
-                  <a:t> </a:t>
-                </a:r>
-                <a:r>
-                  <a:rPr lang="de-DE" sz="3200" dirty="0">
-                    <a:solidFill>
-                      <a:schemeClr val="tx1"/>
-                    </a:solidFill>
-                    <a:ea typeface="ＭＳ Ｐゴシック" pitchFamily="124" charset="-128"/>
-                  </a:rPr>
-                  <a:t>der jeweiligen Größe </a:t>
+                  <a:t> der jeweiligen Größe </a:t>
                 </a:r>
                 <a14:m>
                   <m:oMath xmlns:m="http://schemas.openxmlformats.org/officeDocument/2006/math">
@@ -4109,7 +3923,7 @@
                         <m:sSubPr>
                           <m:ctrlPr>
                             <a:rPr lang="de-DE" sz="3200" b="1" i="1">
-                              <a:latin typeface="Cambria Math" charset="0"/>
+                              <a:latin typeface="Cambria Math" panose="02040503050406030204" pitchFamily="18" charset="0"/>
                             </a:rPr>
                           </m:ctrlPr>
                         </m:sSubPr>
@@ -4164,7 +3978,7 @@
                         <m:sSubPr>
                           <m:ctrlPr>
                             <a:rPr lang="de-DE" sz="3200" b="1" i="1">
-                              <a:latin typeface="Cambria Math" charset="0"/>
+                              <a:latin typeface="Cambria Math" panose="02040503050406030204" pitchFamily="18" charset="0"/>
                             </a:rPr>
                           </m:ctrlPr>
                         </m:sSubPr>
@@ -4230,25 +4044,7 @@
                     </a:solidFill>
                     <a:ea typeface="ＭＳ Ｐゴシック" pitchFamily="124" charset="-128"/>
                   </a:rPr>
-                  <a:t>Abbildung 2 zeigt die mit der beschriebenen Methode bestimmten Grenzschichthöhen, </a:t>
-                </a:r>
-                <a:r>
-                  <a:rPr lang="de-DE" sz="3200" dirty="0" smtClean="0">
-                    <a:solidFill>
-                      <a:schemeClr val="tx1"/>
-                    </a:solidFill>
-                    <a:ea typeface="ＭＳ Ｐゴシック" pitchFamily="124" charset="-128"/>
-                  </a:rPr>
-                  <a:t>sowie </a:t>
-                </a:r>
-                <a:r>
-                  <a:rPr lang="de-DE" sz="3200" dirty="0">
-                    <a:solidFill>
-                      <a:schemeClr val="tx1"/>
-                    </a:solidFill>
-                    <a:ea typeface="ＭＳ Ｐゴシック" pitchFamily="124" charset="-128"/>
-                  </a:rPr>
-                  <a:t>die des </a:t>
+                  <a:t>Abbildung 2 zeigt die mit der beschriebenen Methode bestimmten Grenzschichthöhen, sowie die des </a:t>
                 </a:r>
                 <a:r>
                   <a:rPr lang="de-DE" sz="3200" dirty="0" err="1">
@@ -4284,16 +4080,16 @@
                     </a:solidFill>
                     <a:ea typeface="ＭＳ Ｐゴシック" pitchFamily="124" charset="-128"/>
                   </a:rPr>
-                  <a:t>. Tag 1 entspricht dem in </a:t>
+                  <a:t>. Tag 1 entspricht dem in Ab-bildung 1 gezeigten Tag. An beiden Messtagen befand sich Fehmarn unter Hochdruck-einfluss und am </a:t>
                 </a:r>
                 <a:r>
-                  <a:rPr lang="de-DE" sz="3200" dirty="0" smtClean="0">
+                  <a:rPr lang="de-DE" sz="3200" dirty="0" err="1">
                     <a:solidFill>
                       <a:schemeClr val="tx1"/>
                     </a:solidFill>
                     <a:ea typeface="ＭＳ Ｐゴシック" pitchFamily="124" charset="-128"/>
                   </a:rPr>
-                  <a:t>Ab-bildung </a:t>
+                  <a:t>Messort</a:t>
                 </a:r>
                 <a:r>
                   <a:rPr lang="de-DE" sz="3200" dirty="0">
@@ -4302,77 +4098,8 @@
                     </a:solidFill>
                     <a:ea typeface="ＭＳ Ｐゴシック" pitchFamily="124" charset="-128"/>
                   </a:rPr>
-                  <a:t>1 gezeigten Tag. An beiden Messtagen befand </a:t>
+                  <a:t> herrschte auflandiger Wind, sodass eine flache, maritime Grenzschicht zu erwarten war.</a:t>
                 </a:r>
-                <a:r>
-                  <a:rPr lang="de-DE" sz="3200" dirty="0" smtClean="0">
-                    <a:solidFill>
-                      <a:schemeClr val="tx1"/>
-                    </a:solidFill>
-                    <a:ea typeface="ＭＳ Ｐゴシック" pitchFamily="124" charset="-128"/>
-                  </a:rPr>
-                  <a:t>sich Fehmarn unter Hochdruck-einfluss </a:t>
-                </a:r>
-                <a:r>
-                  <a:rPr lang="de-DE" sz="3200" dirty="0">
-                    <a:solidFill>
-                      <a:schemeClr val="tx1"/>
-                    </a:solidFill>
-                    <a:ea typeface="ＭＳ Ｐゴシック" pitchFamily="124" charset="-128"/>
-                  </a:rPr>
-                  <a:t>und </a:t>
-                </a:r>
-                <a:r>
-                  <a:rPr lang="de-DE" sz="3200" dirty="0" smtClean="0">
-                    <a:solidFill>
-                      <a:schemeClr val="tx1"/>
-                    </a:solidFill>
-                    <a:ea typeface="ＭＳ Ｐゴシック" pitchFamily="124" charset="-128"/>
-                  </a:rPr>
-                  <a:t>am </a:t>
-                </a:r>
-                <a:r>
-                  <a:rPr lang="de-DE" sz="3200" dirty="0" err="1" smtClean="0">
-                    <a:solidFill>
-                      <a:schemeClr val="tx1"/>
-                    </a:solidFill>
-                    <a:ea typeface="ＭＳ Ｐゴシック" pitchFamily="124" charset="-128"/>
-                  </a:rPr>
-                  <a:t>Messort</a:t>
-                </a:r>
-                <a:r>
-                  <a:rPr lang="de-DE" sz="3200" dirty="0" smtClean="0">
-                    <a:solidFill>
-                      <a:schemeClr val="tx1"/>
-                    </a:solidFill>
-                    <a:ea typeface="ＭＳ Ｐゴシック" pitchFamily="124" charset="-128"/>
-                  </a:rPr>
-                  <a:t> herrschte </a:t>
-                </a:r>
-                <a:r>
-                  <a:rPr lang="de-DE" sz="3200" dirty="0">
-                    <a:solidFill>
-                      <a:schemeClr val="tx1"/>
-                    </a:solidFill>
-                    <a:ea typeface="ＭＳ Ｐゴシック" pitchFamily="124" charset="-128"/>
-                  </a:rPr>
-                  <a:t>auflandiger Wind, sodass eine flache, maritime Grenzschicht zu </a:t>
-                </a:r>
-                <a:r>
-                  <a:rPr lang="de-DE" sz="3200" dirty="0" smtClean="0">
-                    <a:solidFill>
-                      <a:schemeClr val="tx1"/>
-                    </a:solidFill>
-                    <a:ea typeface="ＭＳ Ｐゴシック" pitchFamily="124" charset="-128"/>
-                  </a:rPr>
-                  <a:t>erwarten war.</a:t>
-                </a:r>
-                <a:endParaRPr lang="de-DE" sz="3200" dirty="0">
-                  <a:solidFill>
-                    <a:schemeClr val="tx1"/>
-                  </a:solidFill>
-                  <a:ea typeface="ＭＳ Ｐゴシック" pitchFamily="124" charset="-128"/>
-                </a:endParaRPr>
               </a:p>
               <a:p>
                 <a:pPr algn="just"/>
@@ -4404,7 +4131,7 @@
             </p:txBody>
           </p:sp>
         </mc:Choice>
-        <mc:Fallback>
+        <mc:Fallback xmlns="">
           <p:sp>
             <p:nvSpPr>
               <p:cNvPr id="30" name="Rechteck 29">
@@ -4454,7 +4181,7 @@
           <p:cNvPr id="31" name="Rechteck 30">
             <a:extLst>
               <a:ext uri="{FF2B5EF4-FFF2-40B4-BE49-F238E27FC236}">
-                <a16:creationId xmlns:a16="http://schemas.microsoft.com/office/drawing/2014/main" xmlns="" id="{C3341CF7-5EEF-4D99-A4D6-A304B51278B0}"/>
+                <a16:creationId xmlns:a16="http://schemas.microsoft.com/office/drawing/2014/main" id="{C3341CF7-5EEF-4D99-A4D6-A304B51278B0}"/>
               </a:ext>
             </a:extLst>
           </p:cNvPr>
@@ -4510,7 +4237,7 @@
               <a:t>Die aus den Gradienten der Größen a-d abgeleiteten Grenzschichthöhen sind </a:t>
             </a:r>
             <a:r>
-              <a:rPr lang="de-DE" sz="3200" dirty="0" err="1" smtClean="0">
+              <a:rPr lang="de-DE" sz="3200" dirty="0" err="1">
                 <a:solidFill>
                   <a:schemeClr val="tx1"/>
                 </a:solidFill>
@@ -4519,13 +4246,22 @@
               <a:t>unterein-ander</a:t>
             </a:r>
             <a:r>
-              <a:rPr lang="de-DE" sz="3200" dirty="0" smtClean="0">
+              <a:rPr lang="de-DE" sz="3200" dirty="0">
                 <a:solidFill>
                   <a:schemeClr val="tx1"/>
                 </a:solidFill>
                 <a:ea typeface="ＭＳ Ｐゴシック" pitchFamily="124" charset="-128"/>
               </a:rPr>
-              <a:t> </a:t>
+              <a:t> weitestgehend konsistent (Abbildung 2). An beiden Tagen zeigt sich ein Absinken der Grenzschichthöhe von ca. 400 m auf ca. 100 m im Verlauf des Tages, während die Luft in der freien Atmosphäre zunehmend trockener wird (Abbildung 1, nur für Tag 1 </a:t>
+            </a:r>
+            <a:r>
+              <a:rPr lang="de-DE" sz="3200" dirty="0" err="1">
+                <a:solidFill>
+                  <a:schemeClr val="tx1"/>
+                </a:solidFill>
+                <a:ea typeface="ＭＳ Ｐゴシック" pitchFamily="124" charset="-128"/>
+              </a:rPr>
+              <a:t>ge</a:t>
             </a:r>
             <a:r>
               <a:rPr lang="de-DE" sz="3200" dirty="0">
@@ -4534,16 +4270,16 @@
                 </a:solidFill>
                 <a:ea typeface="ＭＳ Ｐゴシック" pitchFamily="124" charset="-128"/>
               </a:rPr>
-              <a:t>weitestgehend konsistent (Abbildung 2). An beiden Tagen zeigt sich ein Absinken der </a:t>
-            </a:r>
-            <a:r>
-              <a:rPr lang="de-DE" sz="3200" dirty="0" smtClean="0">
+              <a:t>-zeigt). Dies deutet auf ein </a:t>
+            </a:r>
+            <a:r>
+              <a:rPr lang="de-DE" sz="3200" dirty="0" err="1">
                 <a:solidFill>
                   <a:schemeClr val="tx1"/>
                 </a:solidFill>
                 <a:ea typeface="ＭＳ Ｐゴシック" pitchFamily="124" charset="-128"/>
               </a:rPr>
-              <a:t>Grenzschichthöhe </a:t>
+              <a:t>großskaliges</a:t>
             </a:r>
             <a:r>
               <a:rPr lang="de-DE" sz="3200" dirty="0">
@@ -4552,70 +4288,7 @@
                 </a:solidFill>
                 <a:ea typeface="ＭＳ Ｐゴシック" pitchFamily="124" charset="-128"/>
               </a:rPr>
-              <a:t>von ca. 400 m auf ca. 100 m im Verlauf des Tages, während die Luft in der freien Atmosphäre zunehmend trockener wird (Abbildung 1, nur für Tag 1 </a:t>
-            </a:r>
-            <a:r>
-              <a:rPr lang="de-DE" sz="3200" dirty="0" err="1" smtClean="0">
-                <a:solidFill>
-                  <a:schemeClr val="tx1"/>
-                </a:solidFill>
-                <a:ea typeface="ＭＳ Ｐゴシック" pitchFamily="124" charset="-128"/>
-              </a:rPr>
-              <a:t>ge</a:t>
-            </a:r>
-            <a:r>
-              <a:rPr lang="de-DE" sz="3200" dirty="0" smtClean="0">
-                <a:solidFill>
-                  <a:schemeClr val="tx1"/>
-                </a:solidFill>
-                <a:ea typeface="ＭＳ Ｐゴシック" pitchFamily="124" charset="-128"/>
-              </a:rPr>
-              <a:t>-zeigt</a:t>
-            </a:r>
-            <a:r>
-              <a:rPr lang="de-DE" sz="3200" dirty="0">
-                <a:solidFill>
-                  <a:schemeClr val="tx1"/>
-                </a:solidFill>
-                <a:ea typeface="ＭＳ Ｐゴシック" pitchFamily="124" charset="-128"/>
-              </a:rPr>
-              <a:t>). Dies deutet auf ein </a:t>
-            </a:r>
-            <a:r>
-              <a:rPr lang="de-DE" sz="3200" dirty="0" err="1">
-                <a:solidFill>
-                  <a:schemeClr val="tx1"/>
-                </a:solidFill>
-                <a:ea typeface="ＭＳ Ｐゴシック" pitchFamily="124" charset="-128"/>
-              </a:rPr>
-              <a:t>großskaliges</a:t>
-            </a:r>
-            <a:r>
-              <a:rPr lang="de-DE" sz="3200" dirty="0">
-                <a:solidFill>
-                  <a:schemeClr val="tx1"/>
-                </a:solidFill>
-                <a:ea typeface="ＭＳ Ｐゴシック" pitchFamily="124" charset="-128"/>
-              </a:rPr>
-              <a:t> Absinken der Luft hin, was zur vorherrschenden </a:t>
-            </a:r>
-            <a:r>
-              <a:rPr lang="de-DE" sz="3200" dirty="0" smtClean="0">
-                <a:solidFill>
-                  <a:schemeClr val="tx1"/>
-                </a:solidFill>
-                <a:ea typeface="ＭＳ Ｐゴシック" pitchFamily="124" charset="-128"/>
-              </a:rPr>
-              <a:t>Hochdruckwetterlage </a:t>
-            </a:r>
-            <a:r>
-              <a:rPr lang="de-DE" sz="3200" dirty="0">
-                <a:solidFill>
-                  <a:schemeClr val="tx1"/>
-                </a:solidFill>
-                <a:ea typeface="ＭＳ Ｐゴシック" pitchFamily="124" charset="-128"/>
-              </a:rPr>
-              <a:t>an beiden Tagen passt. </a:t>
+              <a:t> Absinken der Luft hin, was zur vorherrschenden Hochdruckwetterlage an beiden Tagen passt. </a:t>
             </a:r>
           </a:p>
           <a:p>
@@ -4639,16 +4312,16 @@
                 </a:solidFill>
                 <a:ea typeface="ＭＳ Ｐゴシック" pitchFamily="124" charset="-128"/>
               </a:rPr>
-              <a:t>An Tag 1 zeigen die aus den Größen a-d abgeleiteten Grenzschichthöhen über lange </a:t>
-            </a:r>
-            <a:r>
-              <a:rPr lang="de-DE" sz="3200" dirty="0" smtClean="0">
+              <a:t>An Tag 1 zeigen die aus den Größen a-d abgeleiteten Grenzschichthöhen über lange Zeiträume einen ähnlichen Verlauf wie die Grenzschichthöhe des </a:t>
+            </a:r>
+            <a:r>
+              <a:rPr lang="de-DE" sz="3200" dirty="0" err="1">
                 <a:solidFill>
                   <a:schemeClr val="tx1"/>
                 </a:solidFill>
                 <a:ea typeface="ＭＳ Ｐゴシック" pitchFamily="124" charset="-128"/>
               </a:rPr>
-              <a:t>Zeiträume </a:t>
+              <a:t>Ceilometers</a:t>
             </a:r>
             <a:r>
               <a:rPr lang="de-DE" sz="3200" dirty="0">
@@ -4657,52 +4330,70 @@
                 </a:solidFill>
                 <a:ea typeface="ＭＳ Ｐゴシック" pitchFamily="124" charset="-128"/>
               </a:rPr>
-              <a:t>einen ähnlichen Verlauf wie die Grenzschichthöhe des </a:t>
-            </a:r>
-            <a:r>
-              <a:rPr lang="de-DE" sz="3200" dirty="0" err="1" smtClean="0">
+              <a:t> (</a:t>
+            </a:r>
+            <a:r>
+              <a:rPr lang="de-DE" sz="3200" dirty="0" err="1">
                 <a:solidFill>
                   <a:schemeClr val="tx1"/>
                 </a:solidFill>
                 <a:ea typeface="ＭＳ Ｐゴシック" pitchFamily="124" charset="-128"/>
               </a:rPr>
+              <a:t>Abbil</a:t>
+            </a:r>
+            <a:r>
+              <a:rPr lang="de-DE" sz="3200" dirty="0">
+                <a:solidFill>
+                  <a:schemeClr val="tx1"/>
+                </a:solidFill>
+                <a:ea typeface="ＭＳ Ｐゴシック" pitchFamily="124" charset="-128"/>
+              </a:rPr>
+              <a:t>-dung 2). An Tag 2 liegt die Grenzschichthöhe des </a:t>
+            </a:r>
+            <a:r>
+              <a:rPr lang="de-DE" sz="3200" dirty="0" err="1">
+                <a:solidFill>
+                  <a:schemeClr val="tx1"/>
+                </a:solidFill>
+                <a:ea typeface="ＭＳ Ｐゴシック" pitchFamily="124" charset="-128"/>
+              </a:rPr>
               <a:t>Ceilometers</a:t>
             </a:r>
             <a:r>
-              <a:rPr lang="de-DE" sz="3200" dirty="0" smtClean="0">
+              <a:rPr lang="de-DE" sz="3200" dirty="0">
                 <a:solidFill>
                   <a:schemeClr val="tx1"/>
                 </a:solidFill>
                 <a:ea typeface="ＭＳ Ｐゴシック" pitchFamily="124" charset="-128"/>
               </a:rPr>
-              <a:t> (</a:t>
-            </a:r>
-            <a:r>
-              <a:rPr lang="de-DE" sz="3200" dirty="0" err="1" smtClean="0">
+              <a:t> bis auf wenige Zeitabschnitte ca. 1,5 km oberhalb. Mit dem </a:t>
+            </a:r>
+            <a:r>
+              <a:rPr lang="de-DE" sz="3200" dirty="0" err="1">
                 <a:solidFill>
                   <a:schemeClr val="tx1"/>
                 </a:solidFill>
                 <a:ea typeface="ＭＳ Ｐゴシック" pitchFamily="124" charset="-128"/>
               </a:rPr>
-              <a:t>A</a:t>
-            </a:r>
-            <a:r>
-              <a:rPr lang="de-DE" sz="3200" dirty="0" err="1" smtClean="0">
+              <a:t>Ceilometer</a:t>
+            </a:r>
+            <a:r>
+              <a:rPr lang="de-DE" sz="3200" dirty="0">
                 <a:solidFill>
                   <a:schemeClr val="tx1"/>
                 </a:solidFill>
                 <a:ea typeface="ＭＳ Ｐゴシック" pitchFamily="124" charset="-128"/>
               </a:rPr>
-              <a:t>bbil</a:t>
-            </a:r>
-            <a:r>
-              <a:rPr lang="de-DE" sz="3200" dirty="0" smtClean="0">
+              <a:t> wird die Grenzschichthöhe aus der </a:t>
+            </a:r>
+            <a:r>
+              <a:rPr lang="de-DE" sz="3200">
                 <a:solidFill>
                   <a:schemeClr val="tx1"/>
                 </a:solidFill>
                 <a:ea typeface="ＭＳ Ｐゴシック" pitchFamily="124" charset="-128"/>
               </a:rPr>
-              <a:t>-dung 2). </a:t>
+              <a:t>vertikalen Aerosolverteilung </a:t>
             </a:r>
             <a:r>
               <a:rPr lang="de-DE" sz="3200" dirty="0">
@@ -4711,115 +4402,7 @@
                 </a:solidFill>
                 <a:ea typeface="ＭＳ Ｐゴシック" pitchFamily="124" charset="-128"/>
               </a:rPr>
-              <a:t>An Tag 2 liegt die Grenzschichthöhe des </a:t>
-            </a:r>
-            <a:r>
-              <a:rPr lang="de-DE" sz="3200" dirty="0" err="1">
-                <a:solidFill>
-                  <a:schemeClr val="tx1"/>
-                </a:solidFill>
-                <a:ea typeface="ＭＳ Ｐゴシック" pitchFamily="124" charset="-128"/>
-              </a:rPr>
-              <a:t>Ceilometers</a:t>
-            </a:r>
-            <a:r>
-              <a:rPr lang="de-DE" sz="3200" dirty="0">
-                <a:solidFill>
-                  <a:schemeClr val="tx1"/>
-                </a:solidFill>
-                <a:ea typeface="ＭＳ Ｐゴシック" pitchFamily="124" charset="-128"/>
-              </a:rPr>
-              <a:t> bis auf wenige Zeitabschnitte ca. 1,5 km </a:t>
-            </a:r>
-            <a:r>
-              <a:rPr lang="de-DE" sz="3200" dirty="0" smtClean="0">
-                <a:solidFill>
-                  <a:schemeClr val="tx1"/>
-                </a:solidFill>
-                <a:ea typeface="ＭＳ Ｐゴシック" pitchFamily="124" charset="-128"/>
-              </a:rPr>
-              <a:t>oberhalb</a:t>
-            </a:r>
-            <a:r>
-              <a:rPr lang="de-DE" sz="3200" dirty="0">
-                <a:solidFill>
-                  <a:schemeClr val="tx1"/>
-                </a:solidFill>
-                <a:ea typeface="ＭＳ Ｐゴシック" pitchFamily="124" charset="-128"/>
-              </a:rPr>
-              <a:t>. Mit dem </a:t>
-            </a:r>
-            <a:r>
-              <a:rPr lang="de-DE" sz="3200" dirty="0" err="1">
-                <a:solidFill>
-                  <a:schemeClr val="tx1"/>
-                </a:solidFill>
-                <a:ea typeface="ＭＳ Ｐゴシック" pitchFamily="124" charset="-128"/>
-              </a:rPr>
-              <a:t>Ceilometer</a:t>
-            </a:r>
-            <a:r>
-              <a:rPr lang="de-DE" sz="3200" dirty="0">
-                <a:solidFill>
-                  <a:schemeClr val="tx1"/>
-                </a:solidFill>
-                <a:ea typeface="ＭＳ Ｐゴシック" pitchFamily="124" charset="-128"/>
-              </a:rPr>
-              <a:t> wird die Grenzschichthöhe aus der vertikalen </a:t>
-            </a:r>
-            <a:r>
-              <a:rPr lang="de-DE" sz="3200" dirty="0" smtClean="0">
-                <a:solidFill>
-                  <a:schemeClr val="tx1"/>
-                </a:solidFill>
-                <a:ea typeface="ＭＳ Ｐゴシック" pitchFamily="124" charset="-128"/>
-              </a:rPr>
-              <a:t>Aerosol-verteilung </a:t>
-            </a:r>
-            <a:r>
-              <a:rPr lang="de-DE" sz="3200" dirty="0">
-                <a:solidFill>
-                  <a:schemeClr val="tx1"/>
-                </a:solidFill>
-                <a:ea typeface="ＭＳ Ｐゴシック" pitchFamily="124" charset="-128"/>
-              </a:rPr>
-              <a:t>abgeleitet: Die Grenzschicht unterscheidet sich von der darüberliegenden Schicht durch eine höhere Aerosolkonzentration. Möglicherweise war die unterste „</a:t>
-            </a:r>
-            <a:r>
-              <a:rPr lang="de-DE" sz="3200" dirty="0" smtClean="0">
-                <a:solidFill>
-                  <a:schemeClr val="tx1"/>
-                </a:solidFill>
-                <a:ea typeface="ＭＳ Ｐゴシック" pitchFamily="124" charset="-128"/>
-              </a:rPr>
-              <a:t>Aerosol-Grenzschicht</a:t>
-            </a:r>
-            <a:r>
-              <a:rPr lang="de-DE" sz="3200" dirty="0">
-                <a:solidFill>
-                  <a:schemeClr val="tx1"/>
-                </a:solidFill>
-                <a:ea typeface="ＭＳ Ｐゴシック" pitchFamily="124" charset="-128"/>
-              </a:rPr>
-              <a:t>“ an Tag 2 nur schwach ausgebildet und wurde </a:t>
-            </a:r>
-            <a:r>
-              <a:rPr lang="de-DE" sz="3200" dirty="0" smtClean="0">
-                <a:solidFill>
-                  <a:schemeClr val="tx1"/>
-                </a:solidFill>
-                <a:ea typeface="ＭＳ Ｐゴシック" pitchFamily="124" charset="-128"/>
-              </a:rPr>
-              <a:t>des-halb </a:t>
-            </a:r>
-            <a:r>
-              <a:rPr lang="de-DE" sz="3200" dirty="0">
-                <a:solidFill>
-                  <a:schemeClr val="tx1"/>
-                </a:solidFill>
-                <a:ea typeface="ＭＳ Ｐゴシック" pitchFamily="124" charset="-128"/>
-              </a:rPr>
-              <a:t>vom </a:t>
+              <a:t>abgeleitet: Die Grenzschicht unterscheidet sich von der darüberliegenden Schicht durch eine höhere Aerosolkonzentration. Möglicherweise war die unterste „Aerosol-Grenzschicht“ an Tag 2 nur schwach ausgebildet und wurde des-halb vom </a:t>
             </a:r>
             <a:r>
               <a:rPr lang="de-DE" sz="3200" dirty="0" err="1">
@@ -4865,7 +4448,7 @@
           <p:cNvPr id="32" name="Rechteck 31">
             <a:extLst>
               <a:ext uri="{FF2B5EF4-FFF2-40B4-BE49-F238E27FC236}">
-                <a16:creationId xmlns:a16="http://schemas.microsoft.com/office/drawing/2014/main" xmlns="" id="{300F36BE-D129-4C43-93EB-06AAA8CA1682}"/>
+                <a16:creationId xmlns:a16="http://schemas.microsoft.com/office/drawing/2014/main" id="{300F36BE-D129-4C43-93EB-06AAA8CA1682}"/>
               </a:ext>
             </a:extLst>
           </p:cNvPr>
@@ -4989,7 +4572,7 @@
           <p:cNvPr id="3" name="Textfeld 2">
             <a:extLst>
               <a:ext uri="{FF2B5EF4-FFF2-40B4-BE49-F238E27FC236}">
-                <a16:creationId xmlns:a16="http://schemas.microsoft.com/office/drawing/2014/main" xmlns="" id="{C482370A-031D-490B-BB61-52320A1D9812}"/>
+                <a16:creationId xmlns:a16="http://schemas.microsoft.com/office/drawing/2014/main" id="{C482370A-031D-490B-BB61-52320A1D9812}"/>
               </a:ext>
             </a:extLst>
           </p:cNvPr>
@@ -5028,7 +4611,7 @@
           <p:cNvPr id="37" name="Textfeld 36">
             <a:extLst>
               <a:ext uri="{FF2B5EF4-FFF2-40B4-BE49-F238E27FC236}">
-                <a16:creationId xmlns:a16="http://schemas.microsoft.com/office/drawing/2014/main" xmlns="" id="{1BDCF4C2-C577-4A16-8F54-B79D596CC1EA}"/>
+                <a16:creationId xmlns:a16="http://schemas.microsoft.com/office/drawing/2014/main" id="{1BDCF4C2-C577-4A16-8F54-B79D596CC1EA}"/>
               </a:ext>
             </a:extLst>
           </p:cNvPr>
@@ -5067,7 +4650,7 @@
           <p:cNvPr id="38" name="Textfeld 37">
             <a:extLst>
               <a:ext uri="{FF2B5EF4-FFF2-40B4-BE49-F238E27FC236}">
-                <a16:creationId xmlns:a16="http://schemas.microsoft.com/office/drawing/2014/main" xmlns="" id="{6334D7CE-714E-44A6-A1F0-EBAEBE3BBE04}"/>
+                <a16:creationId xmlns:a16="http://schemas.microsoft.com/office/drawing/2014/main" id="{6334D7CE-714E-44A6-A1F0-EBAEBE3BBE04}"/>
               </a:ext>
             </a:extLst>
           </p:cNvPr>
@@ -5106,7 +4689,7 @@
           <p:cNvPr id="39" name="Textfeld 38">
             <a:extLst>
               <a:ext uri="{FF2B5EF4-FFF2-40B4-BE49-F238E27FC236}">
-                <a16:creationId xmlns:a16="http://schemas.microsoft.com/office/drawing/2014/main" xmlns="" id="{0FF17D11-5160-48B3-AB85-3507E70DDA64}"/>
+                <a16:creationId xmlns:a16="http://schemas.microsoft.com/office/drawing/2014/main" id="{0FF17D11-5160-48B3-AB85-3507E70DDA64}"/>
               </a:ext>
             </a:extLst>
           </p:cNvPr>
@@ -5145,7 +4728,7 @@
           <p:cNvPr id="48" name="Grafik 47">
             <a:extLst>
               <a:ext uri="{FF2B5EF4-FFF2-40B4-BE49-F238E27FC236}">
-                <a16:creationId xmlns:a16="http://schemas.microsoft.com/office/drawing/2014/main" xmlns="" id="{BB1C5633-6B63-46F0-88FA-CD7E3FD81E07}"/>
+                <a16:creationId xmlns:a16="http://schemas.microsoft.com/office/drawing/2014/main" id="{BB1C5633-6B63-46F0-88FA-CD7E3FD81E07}"/>
               </a:ext>
             </a:extLst>
           </p:cNvPr>
@@ -5180,7 +4763,7 @@
           <p:cNvPr id="51" name="Rechteck 50">
             <a:extLst>
               <a:ext uri="{FF2B5EF4-FFF2-40B4-BE49-F238E27FC236}">
-                <a16:creationId xmlns:a16="http://schemas.microsoft.com/office/drawing/2014/main" xmlns="" id="{68CFEE92-01D5-463D-9A02-CF06A165DEB3}"/>
+                <a16:creationId xmlns:a16="http://schemas.microsoft.com/office/drawing/2014/main" id="{68CFEE92-01D5-463D-9A02-CF06A165DEB3}"/>
               </a:ext>
             </a:extLst>
           </p:cNvPr>
@@ -5268,7 +4851,7 @@
           <p:cNvPr id="52" name="Rechteck 51">
             <a:extLst>
               <a:ext uri="{FF2B5EF4-FFF2-40B4-BE49-F238E27FC236}">
-                <a16:creationId xmlns:a16="http://schemas.microsoft.com/office/drawing/2014/main" xmlns="" id="{F3575320-5DCA-4F4E-8747-AF1EDBFBCCDE}"/>
+                <a16:creationId xmlns:a16="http://schemas.microsoft.com/office/drawing/2014/main" id="{F3575320-5DCA-4F4E-8747-AF1EDBFBCCDE}"/>
               </a:ext>
             </a:extLst>
           </p:cNvPr>
@@ -5356,7 +4939,7 @@
           <p:cNvPr id="53" name="Rechteck 52">
             <a:extLst>
               <a:ext uri="{FF2B5EF4-FFF2-40B4-BE49-F238E27FC236}">
-                <a16:creationId xmlns:a16="http://schemas.microsoft.com/office/drawing/2014/main" xmlns="" id="{7973F3FC-5E7F-4F70-BBE8-C9FD865385DA}"/>
+                <a16:creationId xmlns:a16="http://schemas.microsoft.com/office/drawing/2014/main" id="{7973F3FC-5E7F-4F70-BBE8-C9FD865385DA}"/>
               </a:ext>
             </a:extLst>
           </p:cNvPr>
@@ -5444,7 +5027,7 @@
           <p:cNvPr id="55" name="Textfeld 54">
             <a:extLst>
               <a:ext uri="{FF2B5EF4-FFF2-40B4-BE49-F238E27FC236}">
-                <a16:creationId xmlns:a16="http://schemas.microsoft.com/office/drawing/2014/main" xmlns="" id="{C0B73B63-FE2C-4364-AE63-291F7E9BEC75}"/>
+                <a16:creationId xmlns:a16="http://schemas.microsoft.com/office/drawing/2014/main" id="{C0B73B63-FE2C-4364-AE63-291F7E9BEC75}"/>
               </a:ext>
             </a:extLst>
           </p:cNvPr>
@@ -5485,7 +5068,7 @@
           <p:cNvPr id="57" name="Textfeld 56">
             <a:extLst>
               <a:ext uri="{FF2B5EF4-FFF2-40B4-BE49-F238E27FC236}">
-                <a16:creationId xmlns:a16="http://schemas.microsoft.com/office/drawing/2014/main" xmlns="" id="{08A6F72A-C1FC-4C0D-A939-FC387DC90072}"/>
+                <a16:creationId xmlns:a16="http://schemas.microsoft.com/office/drawing/2014/main" id="{08A6F72A-C1FC-4C0D-A939-FC387DC90072}"/>
               </a:ext>
             </a:extLst>
           </p:cNvPr>
@@ -5542,7 +5125,7 @@
           <p:cNvPr id="5" name="Textfeld 4">
             <a:extLst>
               <a:ext uri="{FF2B5EF4-FFF2-40B4-BE49-F238E27FC236}">
-                <a16:creationId xmlns:a16="http://schemas.microsoft.com/office/drawing/2014/main" xmlns="" id="{BD3B7960-0046-4270-8887-5840CEBC8C11}"/>
+                <a16:creationId xmlns:a16="http://schemas.microsoft.com/office/drawing/2014/main" id="{BD3B7960-0046-4270-8887-5840CEBC8C11}"/>
               </a:ext>
             </a:extLst>
           </p:cNvPr>
@@ -5581,7 +5164,7 @@
           <p:cNvPr id="41" name="Textfeld 40">
             <a:extLst>
               <a:ext uri="{FF2B5EF4-FFF2-40B4-BE49-F238E27FC236}">
-                <a16:creationId xmlns:a16="http://schemas.microsoft.com/office/drawing/2014/main" xmlns="" id="{F014A4D5-D280-470D-94AC-69EDC4357088}"/>
+                <a16:creationId xmlns:a16="http://schemas.microsoft.com/office/drawing/2014/main" id="{F014A4D5-D280-470D-94AC-69EDC4357088}"/>
               </a:ext>
             </a:extLst>
           </p:cNvPr>
@@ -5620,7 +5203,7 @@
           <p:cNvPr id="10" name="Grafik 9">
             <a:extLst>
               <a:ext uri="{FF2B5EF4-FFF2-40B4-BE49-F238E27FC236}">
-                <a16:creationId xmlns:a16="http://schemas.microsoft.com/office/drawing/2014/main" xmlns="" id="{3A6AF501-4A38-436B-9853-AEEC499AA30B}"/>
+                <a16:creationId xmlns:a16="http://schemas.microsoft.com/office/drawing/2014/main" id="{3A6AF501-4A38-436B-9853-AEEC499AA30B}"/>
               </a:ext>
             </a:extLst>
           </p:cNvPr>
@@ -5656,7 +5239,7 @@
           <p:cNvPr id="7" name="Rechteck 6">
             <a:extLst>
               <a:ext uri="{FF2B5EF4-FFF2-40B4-BE49-F238E27FC236}">
-                <a16:creationId xmlns:a16="http://schemas.microsoft.com/office/drawing/2014/main" xmlns="" id="{FA16231D-25CD-46DC-B80B-E9959F4A5A2B}"/>
+                <a16:creationId xmlns:a16="http://schemas.microsoft.com/office/drawing/2014/main" id="{FA16231D-25CD-46DC-B80B-E9959F4A5A2B}"/>
               </a:ext>
             </a:extLst>
           </p:cNvPr>
@@ -5749,7 +5332,7 @@
           <p:cNvPr id="43" name="Bild 11">
             <a:extLst>
               <a:ext uri="{FF2B5EF4-FFF2-40B4-BE49-F238E27FC236}">
-                <a16:creationId xmlns:a16="http://schemas.microsoft.com/office/drawing/2014/main" xmlns="" id="{6FEF69BF-68F2-47C5-A1FB-163FA70B573F}"/>
+                <a16:creationId xmlns:a16="http://schemas.microsoft.com/office/drawing/2014/main" id="{6FEF69BF-68F2-47C5-A1FB-163FA70B573F}"/>
               </a:ext>
             </a:extLst>
           </p:cNvPr>
@@ -5827,7 +5410,7 @@
           <a:lstStyle/>
           <a:p>
             <a:r>
-              <a:rPr lang="de-DE" sz="2800" i="1" dirty="0" err="1" smtClean="0">
+              <a:rPr lang="de-DE" sz="2800" i="1" dirty="0" err="1">
                 <a:solidFill>
                   <a:schemeClr val="tx1">
                     <a:lumMod val="65000"/>
